--- a/images/theory_analysis/Design_Pattern_CQRS/Design_Pattern_Event_Sourcing.pptx
+++ b/images/theory_analysis/Design_Pattern_CQRS/Design_Pattern_Event_Sourcing.pptx
@@ -5,17 +5,18 @@
     <p:sldMasterId id="2147483648" r:id="rId1"/>
   </p:sldMasterIdLst>
   <p:notesMasterIdLst>
-    <p:notesMasterId r:id="rId10"/>
+    <p:notesMasterId r:id="rId11"/>
   </p:notesMasterIdLst>
   <p:sldIdLst>
     <p:sldId id="367" r:id="rId2"/>
     <p:sldId id="365" r:id="rId3"/>
     <p:sldId id="362" r:id="rId4"/>
-    <p:sldId id="364" r:id="rId5"/>
-    <p:sldId id="366" r:id="rId6"/>
-    <p:sldId id="363" r:id="rId7"/>
-    <p:sldId id="361" r:id="rId8"/>
-    <p:sldId id="360" r:id="rId9"/>
+    <p:sldId id="368" r:id="rId5"/>
+    <p:sldId id="364" r:id="rId6"/>
+    <p:sldId id="366" r:id="rId7"/>
+    <p:sldId id="363" r:id="rId8"/>
+    <p:sldId id="361" r:id="rId9"/>
+    <p:sldId id="360" r:id="rId10"/>
   </p:sldIdLst>
   <p:sldSz cx="9144000" cy="5143500" type="screen16x9"/>
   <p:notesSz cx="6858000" cy="9144000"/>
@@ -220,7 +221,7 @@
           <a:p>
             <a:fld id="{6CD5550B-26C4-49A9-A5BA-636EF7BE6CE9}" type="datetimeFigureOut">
               <a:rPr lang="ko-KR" altLang="en-US" smtClean="0"/>
-              <a:t>2021-06-02</a:t>
+              <a:t>2021-06-03</a:t>
             </a:fld>
             <a:endParaRPr lang="ko-KR" altLang="en-US"/>
           </a:p>
@@ -666,7 +667,7 @@
           <a:p>
             <a:fld id="{FB30EDBD-1C2D-4C1E-B459-B60219FAB484}" type="datetimeFigureOut">
               <a:rPr lang="ko-KR" altLang="en-US" smtClean="0"/>
-              <a:t>2021-06-02</a:t>
+              <a:t>2021-06-03</a:t>
             </a:fld>
             <a:endParaRPr lang="ko-KR" altLang="en-US"/>
           </a:p>
@@ -829,7 +830,7 @@
           <a:p>
             <a:fld id="{FB30EDBD-1C2D-4C1E-B459-B60219FAB484}" type="datetimeFigureOut">
               <a:rPr lang="ko-KR" altLang="en-US" smtClean="0"/>
-              <a:t>2021-06-02</a:t>
+              <a:t>2021-06-03</a:t>
             </a:fld>
             <a:endParaRPr lang="ko-KR" altLang="en-US"/>
           </a:p>
@@ -1002,7 +1003,7 @@
           <a:p>
             <a:fld id="{FB30EDBD-1C2D-4C1E-B459-B60219FAB484}" type="datetimeFigureOut">
               <a:rPr lang="ko-KR" altLang="en-US" smtClean="0"/>
-              <a:t>2021-06-02</a:t>
+              <a:t>2021-06-03</a:t>
             </a:fld>
             <a:endParaRPr lang="ko-KR" altLang="en-US"/>
           </a:p>
@@ -1165,7 +1166,7 @@
           <a:p>
             <a:fld id="{FB30EDBD-1C2D-4C1E-B459-B60219FAB484}" type="datetimeFigureOut">
               <a:rPr lang="ko-KR" altLang="en-US" smtClean="0"/>
-              <a:t>2021-06-02</a:t>
+              <a:t>2021-06-03</a:t>
             </a:fld>
             <a:endParaRPr lang="ko-KR" altLang="en-US"/>
           </a:p>
@@ -1405,7 +1406,7 @@
           <a:p>
             <a:fld id="{FB30EDBD-1C2D-4C1E-B459-B60219FAB484}" type="datetimeFigureOut">
               <a:rPr lang="ko-KR" altLang="en-US" smtClean="0"/>
-              <a:t>2021-06-02</a:t>
+              <a:t>2021-06-03</a:t>
             </a:fld>
             <a:endParaRPr lang="ko-KR" altLang="en-US"/>
           </a:p>
@@ -1685,7 +1686,7 @@
           <a:p>
             <a:fld id="{FB30EDBD-1C2D-4C1E-B459-B60219FAB484}" type="datetimeFigureOut">
               <a:rPr lang="ko-KR" altLang="en-US" smtClean="0"/>
-              <a:t>2021-06-02</a:t>
+              <a:t>2021-06-03</a:t>
             </a:fld>
             <a:endParaRPr lang="ko-KR" altLang="en-US"/>
           </a:p>
@@ -2099,7 +2100,7 @@
           <a:p>
             <a:fld id="{FB30EDBD-1C2D-4C1E-B459-B60219FAB484}" type="datetimeFigureOut">
               <a:rPr lang="ko-KR" altLang="en-US" smtClean="0"/>
-              <a:t>2021-06-02</a:t>
+              <a:t>2021-06-03</a:t>
             </a:fld>
             <a:endParaRPr lang="ko-KR" altLang="en-US"/>
           </a:p>
@@ -2211,7 +2212,7 @@
           <a:p>
             <a:fld id="{FB30EDBD-1C2D-4C1E-B459-B60219FAB484}" type="datetimeFigureOut">
               <a:rPr lang="ko-KR" altLang="en-US" smtClean="0"/>
-              <a:t>2021-06-02</a:t>
+              <a:t>2021-06-03</a:t>
             </a:fld>
             <a:endParaRPr lang="ko-KR" altLang="en-US"/>
           </a:p>
@@ -2301,7 +2302,7 @@
           <a:p>
             <a:fld id="{FB30EDBD-1C2D-4C1E-B459-B60219FAB484}" type="datetimeFigureOut">
               <a:rPr lang="ko-KR" altLang="en-US" smtClean="0"/>
-              <a:t>2021-06-02</a:t>
+              <a:t>2021-06-03</a:t>
             </a:fld>
             <a:endParaRPr lang="ko-KR" altLang="en-US"/>
           </a:p>
@@ -2571,7 +2572,7 @@
           <a:p>
             <a:fld id="{FB30EDBD-1C2D-4C1E-B459-B60219FAB484}" type="datetimeFigureOut">
               <a:rPr lang="ko-KR" altLang="en-US" smtClean="0"/>
-              <a:t>2021-06-02</a:t>
+              <a:t>2021-06-03</a:t>
             </a:fld>
             <a:endParaRPr lang="ko-KR" altLang="en-US"/>
           </a:p>
@@ -2818,7 +2819,7 @@
           <a:p>
             <a:fld id="{FB30EDBD-1C2D-4C1E-B459-B60219FAB484}" type="datetimeFigureOut">
               <a:rPr lang="ko-KR" altLang="en-US" smtClean="0"/>
-              <a:t>2021-06-02</a:t>
+              <a:t>2021-06-03</a:t>
             </a:fld>
             <a:endParaRPr lang="ko-KR" altLang="en-US"/>
           </a:p>
@@ -3024,7 +3025,7 @@
           <a:p>
             <a:fld id="{FB30EDBD-1C2D-4C1E-B459-B60219FAB484}" type="datetimeFigureOut">
               <a:rPr lang="ko-KR" altLang="en-US" smtClean="0"/>
-              <a:t>2021-06-02</a:t>
+              <a:t>2021-06-03</a:t>
             </a:fld>
             <a:endParaRPr lang="ko-KR" altLang="en-US"/>
           </a:p>
@@ -3681,7 +3682,7 @@
         </p:nvSpPr>
         <p:spPr>
           <a:xfrm>
-            <a:off x="971602" y="1773312"/>
+            <a:off x="1259632" y="1773312"/>
             <a:ext cx="1944214" cy="349340"/>
           </a:xfrm>
           <a:prstGeom prst="roundRect">
@@ -3715,14 +3716,14 @@
             <a:pPr algn="ctr"/>
             <a:r>
               <a:rPr lang="en-US" altLang="ko-KR" sz="1100"/>
-              <a:t>Command</a:t>
+              <a:t>Create / Update / </a:t>
             </a:r>
           </a:p>
           <a:p>
             <a:pPr algn="ctr"/>
             <a:r>
               <a:rPr lang="en-US" altLang="ko-KR" sz="1100"/>
-              <a:t>(Create / Update / Delete)</a:t>
+              <a:t>Delete Call</a:t>
             </a:r>
           </a:p>
         </p:txBody>
@@ -3821,7 +3822,7 @@
             <a:pPr algn="ctr"/>
             <a:r>
               <a:rPr lang="en-US" altLang="ko-KR" sz="1400"/>
-              <a:t>Get</a:t>
+              <a:t>Read</a:t>
             </a:r>
             <a:endParaRPr lang="ko-KR" altLang="en-US" sz="1400"/>
           </a:p>
@@ -4065,7 +4066,14 @@
             <a:pPr algn="ctr"/>
             <a:r>
               <a:rPr lang="en-US" altLang="ko-KR" sz="1100"/>
-              <a:t>Query Result</a:t>
+              <a:t>Read</a:t>
+            </a:r>
+          </a:p>
+          <a:p>
+            <a:pPr algn="ctr"/>
+            <a:r>
+              <a:rPr lang="en-US" altLang="ko-KR" sz="1100"/>
+              <a:t>State, Report</a:t>
             </a:r>
           </a:p>
         </p:txBody>
@@ -4188,66 +4196,6 @@
             <a:r>
               <a:rPr lang="en-US" altLang="ko-KR" sz="1400" b="1"/>
               <a:t>Model</a:t>
-            </a:r>
-          </a:p>
-        </p:txBody>
-      </p:sp>
-      <p:sp>
-        <p:nvSpPr>
-          <p:cNvPr id="34" name="사각형: 둥근 모서리 33">
-            <a:extLst>
-              <a:ext uri="{FF2B5EF4-FFF2-40B4-BE49-F238E27FC236}">
-                <a16:creationId xmlns:a16="http://schemas.microsoft.com/office/drawing/2014/main" id="{30BA5942-2046-40BA-8DAE-CD082AA4C592}"/>
-              </a:ext>
-            </a:extLst>
-          </p:cNvPr>
-          <p:cNvSpPr/>
-          <p:nvPr/>
-        </p:nvSpPr>
-        <p:spPr>
-          <a:xfrm>
-            <a:off x="971602" y="2987375"/>
-            <a:ext cx="1944214" cy="349340"/>
-          </a:xfrm>
-          <a:prstGeom prst="roundRect">
-            <a:avLst>
-              <a:gd name="adj" fmla="val 15249"/>
-            </a:avLst>
-          </a:prstGeom>
-          <a:noFill/>
-          <a:ln>
-            <a:noFill/>
-          </a:ln>
-        </p:spPr>
-        <p:style>
-          <a:lnRef idx="2">
-            <a:schemeClr val="dk1"/>
-          </a:lnRef>
-          <a:fillRef idx="1">
-            <a:schemeClr val="lt1"/>
-          </a:fillRef>
-          <a:effectRef idx="0">
-            <a:schemeClr val="dk1"/>
-          </a:effectRef>
-          <a:fontRef idx="minor">
-            <a:schemeClr val="dk1"/>
-          </a:fontRef>
-        </p:style>
-        <p:txBody>
-          <a:bodyPr rtlCol="0" anchor="ctr"/>
-          <a:lstStyle/>
-          <a:p>
-            <a:pPr algn="ctr"/>
-            <a:r>
-              <a:rPr lang="en-US" altLang="ko-KR" sz="1100"/>
-              <a:t>Command</a:t>
-            </a:r>
-          </a:p>
-          <a:p>
-            <a:pPr algn="ctr"/>
-            <a:r>
-              <a:rPr lang="en-US" altLang="ko-KR" sz="1100"/>
-              <a:t>(Create / Update / Delete)</a:t>
             </a:r>
           </a:p>
         </p:txBody>
@@ -4352,6 +4300,112 @@
           </a:fontRef>
         </p:style>
       </p:cxnSp>
+      <p:sp>
+        <p:nvSpPr>
+          <p:cNvPr id="21" name="사각형: 둥근 모서리 20">
+            <a:extLst>
+              <a:ext uri="{FF2B5EF4-FFF2-40B4-BE49-F238E27FC236}">
+                <a16:creationId xmlns:a16="http://schemas.microsoft.com/office/drawing/2014/main" id="{162E8AD0-9C9F-4852-AD46-714C8C4E26EB}"/>
+              </a:ext>
+            </a:extLst>
+          </p:cNvPr>
+          <p:cNvSpPr/>
+          <p:nvPr/>
+        </p:nvSpPr>
+        <p:spPr>
+          <a:xfrm>
+            <a:off x="1475658" y="2977579"/>
+            <a:ext cx="1944214" cy="349340"/>
+          </a:xfrm>
+          <a:prstGeom prst="roundRect">
+            <a:avLst>
+              <a:gd name="adj" fmla="val 15249"/>
+            </a:avLst>
+          </a:prstGeom>
+          <a:noFill/>
+          <a:ln>
+            <a:noFill/>
+          </a:ln>
+        </p:spPr>
+        <p:style>
+          <a:lnRef idx="2">
+            <a:schemeClr val="dk1"/>
+          </a:lnRef>
+          <a:fillRef idx="1">
+            <a:schemeClr val="lt1"/>
+          </a:fillRef>
+          <a:effectRef idx="0">
+            <a:schemeClr val="dk1"/>
+          </a:effectRef>
+          <a:fontRef idx="minor">
+            <a:schemeClr val="dk1"/>
+          </a:fontRef>
+        </p:style>
+        <p:txBody>
+          <a:bodyPr rtlCol="0" anchor="ctr"/>
+          <a:lstStyle/>
+          <a:p>
+            <a:pPr algn="ctr"/>
+            <a:r>
+              <a:rPr lang="en-US" altLang="ko-KR" sz="1100"/>
+              <a:t>Command</a:t>
+            </a:r>
+          </a:p>
+        </p:txBody>
+      </p:sp>
+      <p:sp>
+        <p:nvSpPr>
+          <p:cNvPr id="22" name="사각형: 둥근 모서리 21">
+            <a:extLst>
+              <a:ext uri="{FF2B5EF4-FFF2-40B4-BE49-F238E27FC236}">
+                <a16:creationId xmlns:a16="http://schemas.microsoft.com/office/drawing/2014/main" id="{08050CBF-50E1-48DA-A69F-E3C38708D068}"/>
+              </a:ext>
+            </a:extLst>
+          </p:cNvPr>
+          <p:cNvSpPr/>
+          <p:nvPr/>
+        </p:nvSpPr>
+        <p:spPr>
+          <a:xfrm>
+            <a:off x="3039954" y="3492335"/>
+            <a:ext cx="1944214" cy="349340"/>
+          </a:xfrm>
+          <a:prstGeom prst="roundRect">
+            <a:avLst>
+              <a:gd name="adj" fmla="val 15249"/>
+            </a:avLst>
+          </a:prstGeom>
+          <a:noFill/>
+          <a:ln>
+            <a:noFill/>
+          </a:ln>
+        </p:spPr>
+        <p:style>
+          <a:lnRef idx="2">
+            <a:schemeClr val="dk1"/>
+          </a:lnRef>
+          <a:fillRef idx="1">
+            <a:schemeClr val="lt1"/>
+          </a:fillRef>
+          <a:effectRef idx="0">
+            <a:schemeClr val="dk1"/>
+          </a:effectRef>
+          <a:fontRef idx="minor">
+            <a:schemeClr val="dk1"/>
+          </a:fontRef>
+        </p:style>
+        <p:txBody>
+          <a:bodyPr rtlCol="0" anchor="ctr"/>
+          <a:lstStyle/>
+          <a:p>
+            <a:pPr algn="ctr"/>
+            <a:r>
+              <a:rPr lang="en-US" altLang="ko-KR" sz="1100"/>
+              <a:t>Command</a:t>
+            </a:r>
+          </a:p>
+        </p:txBody>
+      </p:sp>
     </p:spTree>
     <p:extLst>
       <p:ext uri="{BB962C8B-B14F-4D97-AF65-F5344CB8AC3E}">
@@ -4803,7 +4857,7 @@
             <a:pPr algn="ctr"/>
             <a:r>
               <a:rPr lang="en-US" altLang="ko-KR" sz="1400"/>
-              <a:t>Get</a:t>
+              <a:t>Read</a:t>
             </a:r>
             <a:endParaRPr lang="ko-KR" altLang="en-US" sz="1400"/>
           </a:p>
@@ -5416,7 +5470,7 @@
         </p:nvSpPr>
         <p:spPr>
           <a:xfrm>
-            <a:off x="5220072" y="1065932"/>
+            <a:off x="5148064" y="1065932"/>
             <a:ext cx="1368152" cy="349340"/>
           </a:xfrm>
           <a:prstGeom prst="roundRect">
@@ -5450,7 +5504,15 @@
             <a:pPr algn="ctr"/>
             <a:r>
               <a:rPr lang="en-US" altLang="ko-KR" sz="1100"/>
-              <a:t>Order Info</a:t>
+              <a:t>Read</a:t>
+            </a:r>
+            <a:r>
+              <a:rPr lang="ko-KR" altLang="en-US" sz="1100"/>
+              <a:t> </a:t>
+            </a:r>
+            <a:r>
+              <a:rPr lang="en-US" altLang="ko-KR" sz="1100"/>
+              <a:t>Order</a:t>
             </a:r>
           </a:p>
         </p:txBody>
@@ -5469,7 +5531,7 @@
         </p:nvSpPr>
         <p:spPr>
           <a:xfrm>
-            <a:off x="5220072" y="2299818"/>
+            <a:off x="5148064" y="2299818"/>
             <a:ext cx="1368152" cy="349340"/>
           </a:xfrm>
           <a:prstGeom prst="roundRect">
@@ -5503,7 +5565,7 @@
             <a:pPr algn="ctr"/>
             <a:r>
               <a:rPr lang="en-US" altLang="ko-KR" sz="1100"/>
-              <a:t>Order Info</a:t>
+              <a:t>Order State</a:t>
             </a:r>
           </a:p>
         </p:txBody>
@@ -6047,6 +6109,50 @@
           <a:chExt cx="0" cy="0"/>
         </a:xfrm>
       </p:grpSpPr>
+      <p:cxnSp>
+        <p:nvCxnSpPr>
+          <p:cNvPr id="31" name="직선 연결선 30">
+            <a:extLst>
+              <a:ext uri="{FF2B5EF4-FFF2-40B4-BE49-F238E27FC236}">
+                <a16:creationId xmlns:a16="http://schemas.microsoft.com/office/drawing/2014/main" id="{35A7DA44-3850-4146-9901-6FBC4F720752}"/>
+              </a:ext>
+            </a:extLst>
+          </p:cNvPr>
+          <p:cNvCxnSpPr>
+            <a:cxnSpLocks/>
+          </p:cNvCxnSpPr>
+          <p:nvPr/>
+        </p:nvCxnSpPr>
+        <p:spPr>
+          <a:xfrm>
+            <a:off x="4608004" y="1059582"/>
+            <a:ext cx="0" cy="3600400"/>
+          </a:xfrm>
+          <a:prstGeom prst="line">
+            <a:avLst/>
+          </a:prstGeom>
+          <a:ln w="28575">
+            <a:solidFill>
+              <a:schemeClr val="tx1"/>
+            </a:solidFill>
+            <a:prstDash val="dash"/>
+          </a:ln>
+        </p:spPr>
+        <p:style>
+          <a:lnRef idx="1">
+            <a:schemeClr val="accent1"/>
+          </a:lnRef>
+          <a:fillRef idx="0">
+            <a:schemeClr val="accent1"/>
+          </a:fillRef>
+          <a:effectRef idx="0">
+            <a:schemeClr val="accent1"/>
+          </a:effectRef>
+          <a:fontRef idx="minor">
+            <a:schemeClr val="tx1"/>
+          </a:fontRef>
+        </p:style>
+      </p:cxnSp>
       <p:sp>
         <p:nvSpPr>
           <p:cNvPr id="2" name="제목 1">
@@ -6065,7 +6171,7 @@
         </p:nvSpPr>
         <p:spPr>
           <a:xfrm>
-            <a:off x="457200" y="-20538"/>
+            <a:off x="499814" y="-85700"/>
             <a:ext cx="8229600" cy="857250"/>
           </a:xfrm>
         </p:spPr>
@@ -6075,7 +6181,7 @@
           <a:p>
             <a:r>
               <a:rPr lang="en-US" altLang="ko-KR"/>
-              <a:t>Event Sourcing Pattern</a:t>
+              <a:t>CQRS</a:t>
             </a:r>
             <a:endParaRPr lang="ko-KR" altLang="en-US"/>
           </a:p>
@@ -6083,6 +6189,56 @@
       </p:sp>
       <p:sp>
         <p:nvSpPr>
+          <p:cNvPr id="42" name="사각형: 둥근 모서리 41">
+            <a:extLst>
+              <a:ext uri="{FF2B5EF4-FFF2-40B4-BE49-F238E27FC236}">
+                <a16:creationId xmlns:a16="http://schemas.microsoft.com/office/drawing/2014/main" id="{0A35FC84-8A2D-480F-B539-4BFD2FB229EE}"/>
+              </a:ext>
+            </a:extLst>
+          </p:cNvPr>
+          <p:cNvSpPr/>
+          <p:nvPr/>
+        </p:nvSpPr>
+        <p:spPr>
+          <a:xfrm>
+            <a:off x="1763688" y="2211710"/>
+            <a:ext cx="5688632" cy="730780"/>
+          </a:xfrm>
+          <a:prstGeom prst="roundRect">
+            <a:avLst>
+              <a:gd name="adj" fmla="val 11876"/>
+            </a:avLst>
+          </a:prstGeom>
+        </p:spPr>
+        <p:style>
+          <a:lnRef idx="2">
+            <a:schemeClr val="dk1"/>
+          </a:lnRef>
+          <a:fillRef idx="1">
+            <a:schemeClr val="lt1"/>
+          </a:fillRef>
+          <a:effectRef idx="0">
+            <a:schemeClr val="dk1"/>
+          </a:effectRef>
+          <a:fontRef idx="minor">
+            <a:schemeClr val="dk1"/>
+          </a:fontRef>
+        </p:style>
+        <p:txBody>
+          <a:bodyPr rtlCol="0" anchor="t"/>
+          <a:lstStyle/>
+          <a:p>
+            <a:pPr algn="ctr"/>
+            <a:r>
+              <a:rPr lang="en-US" altLang="ko-KR" sz="1400"/>
+              <a:t>Service</a:t>
+            </a:r>
+            <a:endParaRPr lang="ko-KR" altLang="en-US" sz="1400"/>
+          </a:p>
+        </p:txBody>
+      </p:sp>
+      <p:sp>
+        <p:nvSpPr>
           <p:cNvPr id="5" name="원통형 4">
             <a:extLst>
               <a:ext uri="{FF2B5EF4-FFF2-40B4-BE49-F238E27FC236}">
@@ -6095,8 +6251,8 @@
         </p:nvSpPr>
         <p:spPr>
           <a:xfrm>
-            <a:off x="2396019" y="1491630"/>
-            <a:ext cx="1487272" cy="1768100"/>
+            <a:off x="2114459" y="3457246"/>
+            <a:ext cx="1487272" cy="698680"/>
           </a:xfrm>
           <a:prstGeom prst="can">
             <a:avLst>
@@ -6119,24 +6275,23 @@
           </a:fontRef>
         </p:style>
         <p:txBody>
-          <a:bodyPr rtlCol="0" anchor="b"/>
+          <a:bodyPr rtlCol="0" anchor="ctr"/>
           <a:lstStyle/>
           <a:p>
             <a:pPr algn="ctr"/>
             <a:r>
-              <a:rPr lang="en-US" altLang="ko-KR" sz="1200"/>
-              <a:t>Event Store</a:t>
-            </a:r>
-            <a:endParaRPr lang="ko-KR" altLang="en-US" sz="1200"/>
-          </a:p>
-        </p:txBody>
-      </p:sp>
-      <p:sp>
-        <p:nvSpPr>
-          <p:cNvPr id="44" name="사각형: 둥근 모서리 43">
-            <a:extLst>
-              <a:ext uri="{FF2B5EF4-FFF2-40B4-BE49-F238E27FC236}">
-                <a16:creationId xmlns:a16="http://schemas.microsoft.com/office/drawing/2014/main" id="{CD7760F1-123F-47E1-B194-FFA3698EC3CF}"/>
+              <a:rPr lang="en-US" altLang="ko-KR" sz="1400" b="1"/>
+              <a:t>Command</a:t>
+            </a:r>
+          </a:p>
+        </p:txBody>
+      </p:sp>
+      <p:sp>
+        <p:nvSpPr>
+          <p:cNvPr id="7" name="사각형: 둥근 모서리 6">
+            <a:extLst>
+              <a:ext uri="{FF2B5EF4-FFF2-40B4-BE49-F238E27FC236}">
+                <a16:creationId xmlns:a16="http://schemas.microsoft.com/office/drawing/2014/main" id="{ACE0308B-EFFA-4829-BCC3-14F099FCE497}"/>
               </a:ext>
             </a:extLst>
           </p:cNvPr>
@@ -6145,8 +6300,8 @@
         </p:nvSpPr>
         <p:spPr>
           <a:xfrm>
-            <a:off x="2505870" y="1831716"/>
-            <a:ext cx="1267570" cy="257883"/>
+            <a:off x="1763688" y="1347614"/>
+            <a:ext cx="5688632" cy="349340"/>
           </a:xfrm>
           <a:prstGeom prst="roundRect">
             <a:avLst>
@@ -6174,568 +6329,10 @@
           <a:p>
             <a:pPr algn="ctr"/>
             <a:r>
-              <a:rPr lang="en-US" altLang="ko-KR" sz="1100"/>
-              <a:t>phone +2</a:t>
-            </a:r>
-            <a:endParaRPr lang="ko-KR" altLang="en-US" sz="1100"/>
-          </a:p>
-        </p:txBody>
-      </p:sp>
-      <p:sp>
-        <p:nvSpPr>
-          <p:cNvPr id="45" name="사각형: 둥근 모서리 44">
-            <a:extLst>
-              <a:ext uri="{FF2B5EF4-FFF2-40B4-BE49-F238E27FC236}">
-                <a16:creationId xmlns:a16="http://schemas.microsoft.com/office/drawing/2014/main" id="{D3AFFFF8-4A3E-4EE5-9906-D235D9D22C4C}"/>
-              </a:ext>
-            </a:extLst>
-          </p:cNvPr>
-          <p:cNvSpPr/>
-          <p:nvPr/>
-        </p:nvSpPr>
-        <p:spPr>
-          <a:xfrm>
-            <a:off x="2505870" y="2089599"/>
-            <a:ext cx="1267570" cy="257883"/>
-          </a:xfrm>
-          <a:prstGeom prst="roundRect">
-            <a:avLst>
-              <a:gd name="adj" fmla="val 15249"/>
-            </a:avLst>
-          </a:prstGeom>
-        </p:spPr>
-        <p:style>
-          <a:lnRef idx="2">
-            <a:schemeClr val="dk1"/>
-          </a:lnRef>
-          <a:fillRef idx="1">
-            <a:schemeClr val="lt1"/>
-          </a:fillRef>
-          <a:effectRef idx="0">
-            <a:schemeClr val="dk1"/>
-          </a:effectRef>
-          <a:fontRef idx="minor">
-            <a:schemeClr val="dk1"/>
-          </a:fontRef>
-        </p:style>
-        <p:txBody>
-          <a:bodyPr rtlCol="0" anchor="ctr"/>
-          <a:lstStyle/>
-          <a:p>
-            <a:pPr algn="ctr"/>
-            <a:r>
-              <a:rPr lang="en-US" altLang="ko-KR" sz="1100"/>
-              <a:t>book +4</a:t>
-            </a:r>
-            <a:endParaRPr lang="ko-KR" altLang="en-US" sz="1100"/>
-          </a:p>
-        </p:txBody>
-      </p:sp>
-      <p:sp>
-        <p:nvSpPr>
-          <p:cNvPr id="46" name="사각형: 둥근 모서리 45">
-            <a:extLst>
-              <a:ext uri="{FF2B5EF4-FFF2-40B4-BE49-F238E27FC236}">
-                <a16:creationId xmlns:a16="http://schemas.microsoft.com/office/drawing/2014/main" id="{B7226514-9605-4517-AE7A-3C6054F28FDF}"/>
-              </a:ext>
-            </a:extLst>
-          </p:cNvPr>
-          <p:cNvSpPr/>
-          <p:nvPr/>
-        </p:nvSpPr>
-        <p:spPr>
-          <a:xfrm>
-            <a:off x="2505870" y="2346472"/>
-            <a:ext cx="1267570" cy="257883"/>
-          </a:xfrm>
-          <a:prstGeom prst="roundRect">
-            <a:avLst>
-              <a:gd name="adj" fmla="val 15249"/>
-            </a:avLst>
-          </a:prstGeom>
-        </p:spPr>
-        <p:style>
-          <a:lnRef idx="2">
-            <a:schemeClr val="dk1"/>
-          </a:lnRef>
-          <a:fillRef idx="1">
-            <a:schemeClr val="lt1"/>
-          </a:fillRef>
-          <a:effectRef idx="0">
-            <a:schemeClr val="dk1"/>
-          </a:effectRef>
-          <a:fontRef idx="minor">
-            <a:schemeClr val="dk1"/>
-          </a:fontRef>
-        </p:style>
-        <p:txBody>
-          <a:bodyPr rtlCol="0" anchor="ctr"/>
-          <a:lstStyle/>
-          <a:p>
-            <a:pPr algn="ctr"/>
-            <a:r>
-              <a:rPr lang="en-US" altLang="ko-KR" sz="1100"/>
-              <a:t>phone +3</a:t>
-            </a:r>
-            <a:endParaRPr lang="ko-KR" altLang="en-US" sz="1100"/>
-          </a:p>
-        </p:txBody>
-      </p:sp>
-      <p:sp>
-        <p:nvSpPr>
-          <p:cNvPr id="52" name="원통형 51">
-            <a:extLst>
-              <a:ext uri="{FF2B5EF4-FFF2-40B4-BE49-F238E27FC236}">
-                <a16:creationId xmlns:a16="http://schemas.microsoft.com/office/drawing/2014/main" id="{9CC6A4D3-E0A6-4172-9B34-9835484C6432}"/>
-              </a:ext>
-            </a:extLst>
-          </p:cNvPr>
-          <p:cNvSpPr/>
-          <p:nvPr/>
-        </p:nvSpPr>
-        <p:spPr>
-          <a:xfrm>
-            <a:off x="5220072" y="1995686"/>
-            <a:ext cx="1487272" cy="1264044"/>
-          </a:xfrm>
-          <a:prstGeom prst="can">
-            <a:avLst>
-              <a:gd name="adj" fmla="val 16441"/>
-            </a:avLst>
-          </a:prstGeom>
-        </p:spPr>
-        <p:style>
-          <a:lnRef idx="2">
-            <a:schemeClr val="dk1"/>
-          </a:lnRef>
-          <a:fillRef idx="1">
-            <a:schemeClr val="lt1"/>
-          </a:fillRef>
-          <a:effectRef idx="0">
-            <a:schemeClr val="dk1"/>
-          </a:effectRef>
-          <a:fontRef idx="minor">
-            <a:schemeClr val="dk1"/>
-          </a:fontRef>
-        </p:style>
-        <p:txBody>
-          <a:bodyPr rtlCol="0" anchor="b"/>
-          <a:lstStyle/>
-          <a:p>
-            <a:pPr algn="ctr"/>
-            <a:r>
-              <a:rPr lang="en-US" altLang="ko-KR" sz="1200"/>
-              <a:t>Database</a:t>
-            </a:r>
-            <a:endParaRPr lang="ko-KR" altLang="en-US" sz="1200"/>
-          </a:p>
-        </p:txBody>
-      </p:sp>
-      <p:sp>
-        <p:nvSpPr>
-          <p:cNvPr id="53" name="사각형: 둥근 모서리 52">
-            <a:extLst>
-              <a:ext uri="{FF2B5EF4-FFF2-40B4-BE49-F238E27FC236}">
-                <a16:creationId xmlns:a16="http://schemas.microsoft.com/office/drawing/2014/main" id="{78E39BB1-30FB-41BC-8185-51118F1A4B98}"/>
-              </a:ext>
-            </a:extLst>
-          </p:cNvPr>
-          <p:cNvSpPr/>
-          <p:nvPr/>
-        </p:nvSpPr>
-        <p:spPr>
-          <a:xfrm>
-            <a:off x="5329923" y="2335772"/>
-            <a:ext cx="864096" cy="257883"/>
-          </a:xfrm>
-          <a:prstGeom prst="roundRect">
-            <a:avLst>
-              <a:gd name="adj" fmla="val 15249"/>
-            </a:avLst>
-          </a:prstGeom>
-        </p:spPr>
-        <p:style>
-          <a:lnRef idx="2">
-            <a:schemeClr val="dk1"/>
-          </a:lnRef>
-          <a:fillRef idx="1">
-            <a:schemeClr val="lt1"/>
-          </a:fillRef>
-          <a:effectRef idx="0">
-            <a:schemeClr val="dk1"/>
-          </a:effectRef>
-          <a:fontRef idx="minor">
-            <a:schemeClr val="dk1"/>
-          </a:fontRef>
-        </p:style>
-        <p:txBody>
-          <a:bodyPr rtlCol="0" anchor="ctr"/>
-          <a:lstStyle/>
-          <a:p>
-            <a:pPr algn="ctr"/>
-            <a:r>
-              <a:rPr lang="en-US" altLang="ko-KR" sz="1100"/>
-              <a:t>phone</a:t>
-            </a:r>
-            <a:endParaRPr lang="ko-KR" altLang="en-US" sz="1100"/>
-          </a:p>
-        </p:txBody>
-      </p:sp>
-      <p:sp>
-        <p:nvSpPr>
-          <p:cNvPr id="56" name="사각형: 둥근 모서리 55">
-            <a:extLst>
-              <a:ext uri="{FF2B5EF4-FFF2-40B4-BE49-F238E27FC236}">
-                <a16:creationId xmlns:a16="http://schemas.microsoft.com/office/drawing/2014/main" id="{18AD1C90-650C-4515-BBA9-2F884063F646}"/>
-              </a:ext>
-            </a:extLst>
-          </p:cNvPr>
-          <p:cNvSpPr/>
-          <p:nvPr/>
-        </p:nvSpPr>
-        <p:spPr>
-          <a:xfrm>
-            <a:off x="6194019" y="2335772"/>
-            <a:ext cx="403474" cy="257883"/>
-          </a:xfrm>
-          <a:prstGeom prst="roundRect">
-            <a:avLst>
-              <a:gd name="adj" fmla="val 15249"/>
-            </a:avLst>
-          </a:prstGeom>
-        </p:spPr>
-        <p:style>
-          <a:lnRef idx="2">
-            <a:schemeClr val="dk1"/>
-          </a:lnRef>
-          <a:fillRef idx="1">
-            <a:schemeClr val="lt1"/>
-          </a:fillRef>
-          <a:effectRef idx="0">
-            <a:schemeClr val="dk1"/>
-          </a:effectRef>
-          <a:fontRef idx="minor">
-            <a:schemeClr val="dk1"/>
-          </a:fontRef>
-        </p:style>
-        <p:txBody>
-          <a:bodyPr rtlCol="0" anchor="ctr"/>
-          <a:lstStyle/>
-          <a:p>
-            <a:pPr algn="ctr"/>
-            <a:r>
-              <a:rPr lang="en-US" altLang="ko-KR" sz="1100"/>
-              <a:t>6</a:t>
-            </a:r>
-            <a:endParaRPr lang="ko-KR" altLang="en-US" sz="1100"/>
-          </a:p>
-        </p:txBody>
-      </p:sp>
-      <p:sp>
-        <p:nvSpPr>
-          <p:cNvPr id="57" name="사각형: 둥근 모서리 56">
-            <a:extLst>
-              <a:ext uri="{FF2B5EF4-FFF2-40B4-BE49-F238E27FC236}">
-                <a16:creationId xmlns:a16="http://schemas.microsoft.com/office/drawing/2014/main" id="{02436563-ABF9-46C8-929C-11AF988B2A33}"/>
-              </a:ext>
-            </a:extLst>
-          </p:cNvPr>
-          <p:cNvSpPr/>
-          <p:nvPr/>
-        </p:nvSpPr>
-        <p:spPr>
-          <a:xfrm>
-            <a:off x="5329923" y="2593150"/>
-            <a:ext cx="864096" cy="257883"/>
-          </a:xfrm>
-          <a:prstGeom prst="roundRect">
-            <a:avLst>
-              <a:gd name="adj" fmla="val 15249"/>
-            </a:avLst>
-          </a:prstGeom>
-        </p:spPr>
-        <p:style>
-          <a:lnRef idx="2">
-            <a:schemeClr val="dk1"/>
-          </a:lnRef>
-          <a:fillRef idx="1">
-            <a:schemeClr val="lt1"/>
-          </a:fillRef>
-          <a:effectRef idx="0">
-            <a:schemeClr val="dk1"/>
-          </a:effectRef>
-          <a:fontRef idx="minor">
-            <a:schemeClr val="dk1"/>
-          </a:fontRef>
-        </p:style>
-        <p:txBody>
-          <a:bodyPr rtlCol="0" anchor="ctr"/>
-          <a:lstStyle/>
-          <a:p>
-            <a:pPr algn="ctr"/>
-            <a:r>
-              <a:rPr lang="en-US" altLang="ko-KR" sz="1100"/>
-              <a:t>book</a:t>
-            </a:r>
-            <a:endParaRPr lang="ko-KR" altLang="en-US" sz="1100"/>
-          </a:p>
-        </p:txBody>
-      </p:sp>
-      <p:sp>
-        <p:nvSpPr>
-          <p:cNvPr id="58" name="사각형: 둥근 모서리 57">
-            <a:extLst>
-              <a:ext uri="{FF2B5EF4-FFF2-40B4-BE49-F238E27FC236}">
-                <a16:creationId xmlns:a16="http://schemas.microsoft.com/office/drawing/2014/main" id="{8882E4F7-7C5B-45A2-B75C-F2D5C209A955}"/>
-              </a:ext>
-            </a:extLst>
-          </p:cNvPr>
-          <p:cNvSpPr/>
-          <p:nvPr/>
-        </p:nvSpPr>
-        <p:spPr>
-          <a:xfrm>
-            <a:off x="6194019" y="2593150"/>
-            <a:ext cx="403474" cy="257883"/>
-          </a:xfrm>
-          <a:prstGeom prst="roundRect">
-            <a:avLst>
-              <a:gd name="adj" fmla="val 15249"/>
-            </a:avLst>
-          </a:prstGeom>
-        </p:spPr>
-        <p:style>
-          <a:lnRef idx="2">
-            <a:schemeClr val="dk1"/>
-          </a:lnRef>
-          <a:fillRef idx="1">
-            <a:schemeClr val="lt1"/>
-          </a:fillRef>
-          <a:effectRef idx="0">
-            <a:schemeClr val="dk1"/>
-          </a:effectRef>
-          <a:fontRef idx="minor">
-            <a:schemeClr val="dk1"/>
-          </a:fontRef>
-        </p:style>
-        <p:txBody>
-          <a:bodyPr rtlCol="0" anchor="ctr"/>
-          <a:lstStyle/>
-          <a:p>
-            <a:pPr algn="ctr"/>
-            <a:r>
-              <a:rPr lang="en-US" altLang="ko-KR" sz="1100"/>
-              <a:t>3</a:t>
-            </a:r>
-            <a:endParaRPr lang="ko-KR" altLang="en-US" sz="1100"/>
-          </a:p>
-        </p:txBody>
-      </p:sp>
-      <p:sp>
-        <p:nvSpPr>
-          <p:cNvPr id="31" name="사각형: 둥근 모서리 30">
-            <a:extLst>
-              <a:ext uri="{FF2B5EF4-FFF2-40B4-BE49-F238E27FC236}">
-                <a16:creationId xmlns:a16="http://schemas.microsoft.com/office/drawing/2014/main" id="{5909F938-71A1-4D76-BC53-7C812146E4D0}"/>
-              </a:ext>
-            </a:extLst>
-          </p:cNvPr>
-          <p:cNvSpPr/>
-          <p:nvPr/>
-        </p:nvSpPr>
-        <p:spPr>
-          <a:xfrm>
-            <a:off x="2505870" y="2603345"/>
-            <a:ext cx="1267570" cy="257883"/>
-          </a:xfrm>
-          <a:prstGeom prst="roundRect">
-            <a:avLst>
-              <a:gd name="adj" fmla="val 15249"/>
-            </a:avLst>
-          </a:prstGeom>
-        </p:spPr>
-        <p:style>
-          <a:lnRef idx="2">
-            <a:schemeClr val="dk1"/>
-          </a:lnRef>
-          <a:fillRef idx="1">
-            <a:schemeClr val="lt1"/>
-          </a:fillRef>
-          <a:effectRef idx="0">
-            <a:schemeClr val="dk1"/>
-          </a:effectRef>
-          <a:fontRef idx="minor">
-            <a:schemeClr val="dk1"/>
-          </a:fontRef>
-        </p:style>
-        <p:txBody>
-          <a:bodyPr rtlCol="0" anchor="ctr"/>
-          <a:lstStyle/>
-          <a:p>
-            <a:pPr algn="ctr"/>
-            <a:r>
-              <a:rPr lang="en-US" altLang="ko-KR" sz="1100"/>
-              <a:t>book</a:t>
-            </a:r>
-            <a:r>
-              <a:rPr lang="ko-KR" altLang="en-US" sz="1100"/>
-              <a:t> </a:t>
-            </a:r>
-            <a:r>
-              <a:rPr lang="en-US" altLang="ko-KR" sz="1100"/>
-              <a:t>-1</a:t>
-            </a:r>
-            <a:endParaRPr lang="ko-KR" altLang="en-US" sz="1100"/>
-          </a:p>
-        </p:txBody>
-      </p:sp>
-      <p:cxnSp>
-        <p:nvCxnSpPr>
-          <p:cNvPr id="6" name="직선 연결선 5">
-            <a:extLst>
-              <a:ext uri="{FF2B5EF4-FFF2-40B4-BE49-F238E27FC236}">
-                <a16:creationId xmlns:a16="http://schemas.microsoft.com/office/drawing/2014/main" id="{AB2ABF1D-0A89-4D1F-9F7E-2D23009A58EC}"/>
-              </a:ext>
-            </a:extLst>
-          </p:cNvPr>
-          <p:cNvCxnSpPr>
-            <a:cxnSpLocks/>
-          </p:cNvCxnSpPr>
-          <p:nvPr/>
-        </p:nvCxnSpPr>
-        <p:spPr>
-          <a:xfrm>
-            <a:off x="4572000" y="1347614"/>
-            <a:ext cx="0" cy="2376264"/>
-          </a:xfrm>
-          <a:prstGeom prst="line">
-            <a:avLst/>
-          </a:prstGeom>
-          <a:ln w="28575">
-            <a:solidFill>
-              <a:schemeClr val="tx1"/>
-            </a:solidFill>
-            <a:prstDash val="dash"/>
-          </a:ln>
-        </p:spPr>
-        <p:style>
-          <a:lnRef idx="1">
-            <a:schemeClr val="accent1"/>
-          </a:lnRef>
-          <a:fillRef idx="0">
-            <a:schemeClr val="accent1"/>
-          </a:fillRef>
-          <a:effectRef idx="0">
-            <a:schemeClr val="accent1"/>
-          </a:effectRef>
-          <a:fontRef idx="minor">
-            <a:schemeClr val="tx1"/>
-          </a:fontRef>
-        </p:style>
-      </p:cxnSp>
-      <p:sp>
-        <p:nvSpPr>
-          <p:cNvPr id="39" name="사각형: 둥근 모서리 38">
-            <a:extLst>
-              <a:ext uri="{FF2B5EF4-FFF2-40B4-BE49-F238E27FC236}">
-                <a16:creationId xmlns:a16="http://schemas.microsoft.com/office/drawing/2014/main" id="{50540D73-CF50-4B24-9960-E516910C516B}"/>
-              </a:ext>
-            </a:extLst>
-          </p:cNvPr>
-          <p:cNvSpPr/>
-          <p:nvPr/>
-        </p:nvSpPr>
-        <p:spPr>
-          <a:xfrm>
-            <a:off x="2471946" y="3291830"/>
-            <a:ext cx="1368152" cy="349340"/>
-          </a:xfrm>
-          <a:prstGeom prst="roundRect">
-            <a:avLst>
-              <a:gd name="adj" fmla="val 15249"/>
-            </a:avLst>
-          </a:prstGeom>
-          <a:noFill/>
-          <a:ln>
-            <a:noFill/>
-          </a:ln>
-        </p:spPr>
-        <p:style>
-          <a:lnRef idx="2">
-            <a:schemeClr val="dk1"/>
-          </a:lnRef>
-          <a:fillRef idx="1">
-            <a:schemeClr val="lt1"/>
-          </a:fillRef>
-          <a:effectRef idx="0">
-            <a:schemeClr val="dk1"/>
-          </a:effectRef>
-          <a:fontRef idx="minor">
-            <a:schemeClr val="dk1"/>
-          </a:fontRef>
-        </p:style>
-        <p:txBody>
-          <a:bodyPr rtlCol="0" anchor="ctr"/>
-          <a:lstStyle/>
-          <a:p>
-            <a:pPr algn="ctr"/>
-            <a:r>
-              <a:rPr lang="en-US" altLang="ko-KR" sz="1200" b="1"/>
-              <a:t>Event Sourcing</a:t>
-            </a:r>
-          </a:p>
-        </p:txBody>
-      </p:sp>
-      <p:sp>
-        <p:nvSpPr>
-          <p:cNvPr id="40" name="사각형: 둥근 모서리 39">
-            <a:extLst>
-              <a:ext uri="{FF2B5EF4-FFF2-40B4-BE49-F238E27FC236}">
-                <a16:creationId xmlns:a16="http://schemas.microsoft.com/office/drawing/2014/main" id="{CFF7FCAF-ACE1-4CEB-BB46-752CC43A86A1}"/>
-              </a:ext>
-            </a:extLst>
-          </p:cNvPr>
-          <p:cNvSpPr/>
-          <p:nvPr/>
-        </p:nvSpPr>
-        <p:spPr>
-          <a:xfrm>
-            <a:off x="5278773" y="3291830"/>
-            <a:ext cx="1368152" cy="349340"/>
-          </a:xfrm>
-          <a:prstGeom prst="roundRect">
-            <a:avLst>
-              <a:gd name="adj" fmla="val 15249"/>
-            </a:avLst>
-          </a:prstGeom>
-          <a:noFill/>
-          <a:ln>
-            <a:noFill/>
-          </a:ln>
-        </p:spPr>
-        <p:style>
-          <a:lnRef idx="2">
-            <a:schemeClr val="dk1"/>
-          </a:lnRef>
-          <a:fillRef idx="1">
-            <a:schemeClr val="lt1"/>
-          </a:fillRef>
-          <a:effectRef idx="0">
-            <a:schemeClr val="dk1"/>
-          </a:effectRef>
-          <a:fontRef idx="minor">
-            <a:schemeClr val="dk1"/>
-          </a:fontRef>
-        </p:style>
-        <p:txBody>
-          <a:bodyPr rtlCol="0" anchor="ctr"/>
-          <a:lstStyle/>
-          <a:p>
-            <a:pPr algn="ctr"/>
-            <a:r>
-              <a:rPr lang="en-US" altLang="ko-KR" sz="1200" b="1"/>
-              <a:t>Normal CRUD</a:t>
-            </a:r>
+              <a:rPr lang="en-US" altLang="ko-KR" sz="1400"/>
+              <a:t>Presentation (UI)</a:t>
+            </a:r>
+            <a:endParaRPr lang="ko-KR" altLang="en-US" sz="1400"/>
           </a:p>
         </p:txBody>
       </p:sp>
@@ -6744,17 +6341,20 @@
           <p:cNvPr id="8" name="직선 화살표 연결선 7">
             <a:extLst>
               <a:ext uri="{FF2B5EF4-FFF2-40B4-BE49-F238E27FC236}">
-                <a16:creationId xmlns:a16="http://schemas.microsoft.com/office/drawing/2014/main" id="{A69FC840-AC7B-4743-8114-6DECF6BC0BE2}"/>
-              </a:ext>
-            </a:extLst>
-          </p:cNvPr>
-          <p:cNvCxnSpPr/>
+                <a16:creationId xmlns:a16="http://schemas.microsoft.com/office/drawing/2014/main" id="{7AF33B5D-BDDF-4C90-9EBF-F13E3E1F6992}"/>
+              </a:ext>
+            </a:extLst>
+          </p:cNvPr>
+          <p:cNvCxnSpPr>
+            <a:cxnSpLocks/>
+            <a:endCxn id="15" idx="0"/>
+          </p:cNvCxnSpPr>
           <p:nvPr/>
         </p:nvCxnSpPr>
         <p:spPr>
           <a:xfrm>
-            <a:off x="2267744" y="1779662"/>
-            <a:ext cx="0" cy="1296144"/>
+            <a:off x="2858095" y="1696954"/>
+            <a:ext cx="0" cy="802788"/>
           </a:xfrm>
           <a:prstGeom prst="straightConnector1">
             <a:avLst/>
@@ -6782,10 +6382,695 @@
           </a:fontRef>
         </p:style>
       </p:cxnSp>
+      <p:sp>
+        <p:nvSpPr>
+          <p:cNvPr id="10" name="사각형: 둥근 모서리 9">
+            <a:extLst>
+              <a:ext uri="{FF2B5EF4-FFF2-40B4-BE49-F238E27FC236}">
+                <a16:creationId xmlns:a16="http://schemas.microsoft.com/office/drawing/2014/main" id="{5FCE1444-53A0-4A3D-B9EB-7F51255A6BA2}"/>
+              </a:ext>
+            </a:extLst>
+          </p:cNvPr>
+          <p:cNvSpPr/>
+          <p:nvPr/>
+        </p:nvSpPr>
+        <p:spPr>
+          <a:xfrm>
+            <a:off x="971602" y="1773312"/>
+            <a:ext cx="1944214" cy="349340"/>
+          </a:xfrm>
+          <a:prstGeom prst="roundRect">
+            <a:avLst>
+              <a:gd name="adj" fmla="val 15249"/>
+            </a:avLst>
+          </a:prstGeom>
+          <a:noFill/>
+          <a:ln>
+            <a:noFill/>
+          </a:ln>
+        </p:spPr>
+        <p:style>
+          <a:lnRef idx="2">
+            <a:schemeClr val="dk1"/>
+          </a:lnRef>
+          <a:fillRef idx="1">
+            <a:schemeClr val="lt1"/>
+          </a:fillRef>
+          <a:effectRef idx="0">
+            <a:schemeClr val="dk1"/>
+          </a:effectRef>
+          <a:fontRef idx="minor">
+            <a:schemeClr val="dk1"/>
+          </a:fontRef>
+        </p:style>
+        <p:txBody>
+          <a:bodyPr rtlCol="0" anchor="ctr"/>
+          <a:lstStyle/>
+          <a:p>
+            <a:pPr algn="ctr"/>
+            <a:r>
+              <a:rPr lang="en-US" altLang="ko-KR" sz="1100"/>
+              <a:t>Command</a:t>
+            </a:r>
+          </a:p>
+          <a:p>
+            <a:pPr algn="ctr"/>
+            <a:r>
+              <a:rPr lang="en-US" altLang="ko-KR" sz="1100"/>
+              <a:t>(Create / Update / Delete)</a:t>
+            </a:r>
+          </a:p>
+        </p:txBody>
+      </p:sp>
+      <p:sp>
+        <p:nvSpPr>
+          <p:cNvPr id="15" name="사각형: 둥근 모서리 14">
+            <a:extLst>
+              <a:ext uri="{FF2B5EF4-FFF2-40B4-BE49-F238E27FC236}">
+                <a16:creationId xmlns:a16="http://schemas.microsoft.com/office/drawing/2014/main" id="{A23DE8EA-3BBD-4A67-B6A6-2899E306B807}"/>
+              </a:ext>
+            </a:extLst>
+          </p:cNvPr>
+          <p:cNvSpPr/>
+          <p:nvPr/>
+        </p:nvSpPr>
+        <p:spPr>
+          <a:xfrm>
+            <a:off x="1864273" y="2499742"/>
+            <a:ext cx="1987644" cy="349340"/>
+          </a:xfrm>
+          <a:prstGeom prst="roundRect">
+            <a:avLst>
+              <a:gd name="adj" fmla="val 15249"/>
+            </a:avLst>
+          </a:prstGeom>
+        </p:spPr>
+        <p:style>
+          <a:lnRef idx="2">
+            <a:schemeClr val="dk1"/>
+          </a:lnRef>
+          <a:fillRef idx="1">
+            <a:schemeClr val="lt1"/>
+          </a:fillRef>
+          <a:effectRef idx="0">
+            <a:schemeClr val="dk1"/>
+          </a:effectRef>
+          <a:fontRef idx="minor">
+            <a:schemeClr val="dk1"/>
+          </a:fontRef>
+        </p:style>
+        <p:txBody>
+          <a:bodyPr rtlCol="0" anchor="ctr"/>
+          <a:lstStyle/>
+          <a:p>
+            <a:pPr algn="ctr"/>
+            <a:r>
+              <a:rPr lang="en-US" altLang="ko-KR" sz="1200"/>
+              <a:t>Create / Update / Delete</a:t>
+            </a:r>
+            <a:endParaRPr lang="ko-KR" altLang="en-US" sz="1200"/>
+          </a:p>
+        </p:txBody>
+      </p:sp>
+      <p:sp>
+        <p:nvSpPr>
+          <p:cNvPr id="19" name="사각형: 둥근 모서리 18">
+            <a:extLst>
+              <a:ext uri="{FF2B5EF4-FFF2-40B4-BE49-F238E27FC236}">
+                <a16:creationId xmlns:a16="http://schemas.microsoft.com/office/drawing/2014/main" id="{3C68017C-98FB-4E92-B9D3-5544A0D1960F}"/>
+              </a:ext>
+            </a:extLst>
+          </p:cNvPr>
+          <p:cNvSpPr/>
+          <p:nvPr/>
+        </p:nvSpPr>
+        <p:spPr>
+          <a:xfrm>
+            <a:off x="5544111" y="2499742"/>
+            <a:ext cx="1483587" cy="349340"/>
+          </a:xfrm>
+          <a:prstGeom prst="roundRect">
+            <a:avLst>
+              <a:gd name="adj" fmla="val 15249"/>
+            </a:avLst>
+          </a:prstGeom>
+        </p:spPr>
+        <p:style>
+          <a:lnRef idx="2">
+            <a:schemeClr val="dk1"/>
+          </a:lnRef>
+          <a:fillRef idx="1">
+            <a:schemeClr val="lt1"/>
+          </a:fillRef>
+          <a:effectRef idx="0">
+            <a:schemeClr val="dk1"/>
+          </a:effectRef>
+          <a:fontRef idx="minor">
+            <a:schemeClr val="dk1"/>
+          </a:fontRef>
+        </p:style>
+        <p:txBody>
+          <a:bodyPr rtlCol="0" anchor="ctr"/>
+          <a:lstStyle/>
+          <a:p>
+            <a:pPr algn="ctr"/>
+            <a:r>
+              <a:rPr lang="en-US" altLang="ko-KR" sz="1400"/>
+              <a:t>Read</a:t>
+            </a:r>
+            <a:endParaRPr lang="ko-KR" altLang="en-US" sz="1400"/>
+          </a:p>
+        </p:txBody>
+      </p:sp>
+      <p:cxnSp>
+        <p:nvCxnSpPr>
+          <p:cNvPr id="20" name="직선 화살표 연결선 19">
+            <a:extLst>
+              <a:ext uri="{FF2B5EF4-FFF2-40B4-BE49-F238E27FC236}">
+                <a16:creationId xmlns:a16="http://schemas.microsoft.com/office/drawing/2014/main" id="{757C2613-2F1F-4321-93A4-3C27A430620E}"/>
+              </a:ext>
+            </a:extLst>
+          </p:cNvPr>
+          <p:cNvCxnSpPr>
+            <a:cxnSpLocks/>
+            <a:stCxn id="15" idx="2"/>
+            <a:endCxn id="5" idx="1"/>
+          </p:cNvCxnSpPr>
+          <p:nvPr/>
+        </p:nvCxnSpPr>
+        <p:spPr>
+          <a:xfrm>
+            <a:off x="2858095" y="2849082"/>
+            <a:ext cx="0" cy="608164"/>
+          </a:xfrm>
+          <a:prstGeom prst="straightConnector1">
+            <a:avLst/>
+          </a:prstGeom>
+          <a:ln w="19050">
+            <a:solidFill>
+              <a:schemeClr val="tx1"/>
+            </a:solidFill>
+            <a:headEnd type="none" w="med" len="med"/>
+            <a:tailEnd type="arrow" w="med" len="med"/>
+          </a:ln>
+        </p:spPr>
+        <p:style>
+          <a:lnRef idx="1">
+            <a:schemeClr val="accent1"/>
+          </a:lnRef>
+          <a:fillRef idx="0">
+            <a:schemeClr val="accent1"/>
+          </a:fillRef>
+          <a:effectRef idx="0">
+            <a:schemeClr val="accent1"/>
+          </a:effectRef>
+          <a:fontRef idx="minor">
+            <a:schemeClr val="tx1"/>
+          </a:fontRef>
+        </p:style>
+      </p:cxnSp>
+      <p:sp>
+        <p:nvSpPr>
+          <p:cNvPr id="52" name="원통형 51">
+            <a:extLst>
+              <a:ext uri="{FF2B5EF4-FFF2-40B4-BE49-F238E27FC236}">
+                <a16:creationId xmlns:a16="http://schemas.microsoft.com/office/drawing/2014/main" id="{9CC6A4D3-E0A6-4172-9B34-9835484C6432}"/>
+              </a:ext>
+            </a:extLst>
+          </p:cNvPr>
+          <p:cNvSpPr/>
+          <p:nvPr/>
+        </p:nvSpPr>
+        <p:spPr>
+          <a:xfrm>
+            <a:off x="5542269" y="3457246"/>
+            <a:ext cx="1487272" cy="698680"/>
+          </a:xfrm>
+          <a:prstGeom prst="can">
+            <a:avLst>
+              <a:gd name="adj" fmla="val 16441"/>
+            </a:avLst>
+          </a:prstGeom>
+        </p:spPr>
+        <p:style>
+          <a:lnRef idx="2">
+            <a:schemeClr val="dk1"/>
+          </a:lnRef>
+          <a:fillRef idx="1">
+            <a:schemeClr val="lt1"/>
+          </a:fillRef>
+          <a:effectRef idx="0">
+            <a:schemeClr val="dk1"/>
+          </a:effectRef>
+          <a:fontRef idx="minor">
+            <a:schemeClr val="dk1"/>
+          </a:fontRef>
+        </p:style>
+        <p:txBody>
+          <a:bodyPr rtlCol="0" anchor="ctr"/>
+          <a:lstStyle/>
+          <a:p>
+            <a:pPr algn="ctr"/>
+            <a:r>
+              <a:rPr lang="en-US" altLang="ko-KR" sz="1400" b="1"/>
+              <a:t>State, Report</a:t>
+            </a:r>
+            <a:endParaRPr lang="ko-KR" altLang="en-US" sz="1400" b="1"/>
+          </a:p>
+        </p:txBody>
+      </p:sp>
+      <p:cxnSp>
+        <p:nvCxnSpPr>
+          <p:cNvPr id="59" name="직선 화살표 연결선 58">
+            <a:extLst>
+              <a:ext uri="{FF2B5EF4-FFF2-40B4-BE49-F238E27FC236}">
+                <a16:creationId xmlns:a16="http://schemas.microsoft.com/office/drawing/2014/main" id="{C8EF165E-6280-4B8C-AB3B-B70E27FEC877}"/>
+              </a:ext>
+            </a:extLst>
+          </p:cNvPr>
+          <p:cNvCxnSpPr>
+            <a:cxnSpLocks/>
+            <a:stCxn id="52" idx="1"/>
+            <a:endCxn id="19" idx="2"/>
+          </p:cNvCxnSpPr>
+          <p:nvPr/>
+        </p:nvCxnSpPr>
+        <p:spPr>
+          <a:xfrm flipV="1">
+            <a:off x="6285905" y="2849082"/>
+            <a:ext cx="0" cy="608164"/>
+          </a:xfrm>
+          <a:prstGeom prst="straightConnector1">
+            <a:avLst/>
+          </a:prstGeom>
+          <a:ln w="19050">
+            <a:solidFill>
+              <a:schemeClr val="tx1"/>
+            </a:solidFill>
+            <a:headEnd type="none" w="med" len="med"/>
+            <a:tailEnd type="arrow" w="med" len="med"/>
+          </a:ln>
+        </p:spPr>
+        <p:style>
+          <a:lnRef idx="1">
+            <a:schemeClr val="accent1"/>
+          </a:lnRef>
+          <a:fillRef idx="0">
+            <a:schemeClr val="accent1"/>
+          </a:fillRef>
+          <a:effectRef idx="0">
+            <a:schemeClr val="accent1"/>
+          </a:effectRef>
+          <a:fontRef idx="minor">
+            <a:schemeClr val="tx1"/>
+          </a:fontRef>
+        </p:style>
+      </p:cxnSp>
+      <p:cxnSp>
+        <p:nvCxnSpPr>
+          <p:cNvPr id="64" name="직선 화살표 연결선 63">
+            <a:extLst>
+              <a:ext uri="{FF2B5EF4-FFF2-40B4-BE49-F238E27FC236}">
+                <a16:creationId xmlns:a16="http://schemas.microsoft.com/office/drawing/2014/main" id="{8EC22E69-5C28-4DF5-AB19-C46724444780}"/>
+              </a:ext>
+            </a:extLst>
+          </p:cNvPr>
+          <p:cNvCxnSpPr>
+            <a:cxnSpLocks/>
+            <a:stCxn id="19" idx="0"/>
+          </p:cNvCxnSpPr>
+          <p:nvPr/>
+        </p:nvCxnSpPr>
+        <p:spPr>
+          <a:xfrm flipV="1">
+            <a:off x="6285905" y="1696954"/>
+            <a:ext cx="0" cy="802788"/>
+          </a:xfrm>
+          <a:prstGeom prst="straightConnector1">
+            <a:avLst/>
+          </a:prstGeom>
+          <a:ln w="19050">
+            <a:solidFill>
+              <a:schemeClr val="tx1"/>
+            </a:solidFill>
+            <a:headEnd type="none" w="med" len="med"/>
+            <a:tailEnd type="arrow" w="med" len="med"/>
+          </a:ln>
+        </p:spPr>
+        <p:style>
+          <a:lnRef idx="1">
+            <a:schemeClr val="accent1"/>
+          </a:lnRef>
+          <a:fillRef idx="0">
+            <a:schemeClr val="accent1"/>
+          </a:fillRef>
+          <a:effectRef idx="0">
+            <a:schemeClr val="accent1"/>
+          </a:effectRef>
+          <a:fontRef idx="minor">
+            <a:schemeClr val="tx1"/>
+          </a:fontRef>
+        </p:style>
+      </p:cxnSp>
+      <p:sp>
+        <p:nvSpPr>
+          <p:cNvPr id="67" name="사각형: 둥근 모서리 66">
+            <a:extLst>
+              <a:ext uri="{FF2B5EF4-FFF2-40B4-BE49-F238E27FC236}">
+                <a16:creationId xmlns:a16="http://schemas.microsoft.com/office/drawing/2014/main" id="{9C74BB0D-9358-44BB-AEAF-F959F3D1B91E}"/>
+              </a:ext>
+            </a:extLst>
+          </p:cNvPr>
+          <p:cNvSpPr/>
+          <p:nvPr/>
+        </p:nvSpPr>
+        <p:spPr>
+          <a:xfrm>
+            <a:off x="5116314" y="1786012"/>
+            <a:ext cx="1368152" cy="349340"/>
+          </a:xfrm>
+          <a:prstGeom prst="roundRect">
+            <a:avLst>
+              <a:gd name="adj" fmla="val 15249"/>
+            </a:avLst>
+          </a:prstGeom>
+          <a:noFill/>
+          <a:ln>
+            <a:noFill/>
+          </a:ln>
+        </p:spPr>
+        <p:style>
+          <a:lnRef idx="2">
+            <a:schemeClr val="dk1"/>
+          </a:lnRef>
+          <a:fillRef idx="1">
+            <a:schemeClr val="lt1"/>
+          </a:fillRef>
+          <a:effectRef idx="0">
+            <a:schemeClr val="dk1"/>
+          </a:effectRef>
+          <a:fontRef idx="minor">
+            <a:schemeClr val="dk1"/>
+          </a:fontRef>
+        </p:style>
+        <p:txBody>
+          <a:bodyPr rtlCol="0" anchor="ctr"/>
+          <a:lstStyle/>
+          <a:p>
+            <a:pPr algn="ctr"/>
+            <a:r>
+              <a:rPr lang="en-US" altLang="ko-KR" sz="1100"/>
+              <a:t>Query Result</a:t>
+            </a:r>
+          </a:p>
+        </p:txBody>
+      </p:sp>
+      <p:sp>
+        <p:nvSpPr>
+          <p:cNvPr id="37" name="사각형: 둥근 모서리 36">
+            <a:extLst>
+              <a:ext uri="{FF2B5EF4-FFF2-40B4-BE49-F238E27FC236}">
+                <a16:creationId xmlns:a16="http://schemas.microsoft.com/office/drawing/2014/main" id="{551F6EE0-1E56-4BCB-B046-CAAEBB55CF74}"/>
+              </a:ext>
+            </a:extLst>
+          </p:cNvPr>
+          <p:cNvSpPr/>
+          <p:nvPr/>
+        </p:nvSpPr>
+        <p:spPr>
+          <a:xfrm>
+            <a:off x="1885408" y="4227934"/>
+            <a:ext cx="1894504" cy="349340"/>
+          </a:xfrm>
+          <a:prstGeom prst="roundRect">
+            <a:avLst>
+              <a:gd name="adj" fmla="val 15249"/>
+            </a:avLst>
+          </a:prstGeom>
+          <a:noFill/>
+          <a:ln>
+            <a:noFill/>
+          </a:ln>
+        </p:spPr>
+        <p:style>
+          <a:lnRef idx="2">
+            <a:schemeClr val="dk1"/>
+          </a:lnRef>
+          <a:fillRef idx="1">
+            <a:schemeClr val="lt1"/>
+          </a:fillRef>
+          <a:effectRef idx="0">
+            <a:schemeClr val="dk1"/>
+          </a:effectRef>
+          <a:fontRef idx="minor">
+            <a:schemeClr val="dk1"/>
+          </a:fontRef>
+        </p:style>
+        <p:txBody>
+          <a:bodyPr rtlCol="0" anchor="ctr"/>
+          <a:lstStyle/>
+          <a:p>
+            <a:pPr algn="ctr"/>
+            <a:r>
+              <a:rPr lang="en-US" altLang="ko-KR" sz="1400" b="1"/>
+              <a:t>Command</a:t>
+            </a:r>
+            <a:r>
+              <a:rPr lang="ko-KR" altLang="en-US" sz="1400" b="1"/>
+              <a:t> </a:t>
+            </a:r>
+            <a:r>
+              <a:rPr lang="en-US" altLang="ko-KR" sz="1400" b="1"/>
+              <a:t>Model</a:t>
+            </a:r>
+          </a:p>
+        </p:txBody>
+      </p:sp>
+      <p:sp>
+        <p:nvSpPr>
+          <p:cNvPr id="38" name="사각형: 둥근 모서리 37">
+            <a:extLst>
+              <a:ext uri="{FF2B5EF4-FFF2-40B4-BE49-F238E27FC236}">
+                <a16:creationId xmlns:a16="http://schemas.microsoft.com/office/drawing/2014/main" id="{B5CAA83A-A55C-4EF5-B30B-F65466A5DF6B}"/>
+              </a:ext>
+            </a:extLst>
+          </p:cNvPr>
+          <p:cNvSpPr/>
+          <p:nvPr/>
+        </p:nvSpPr>
+        <p:spPr>
+          <a:xfrm>
+            <a:off x="5364088" y="4227934"/>
+            <a:ext cx="1894504" cy="349340"/>
+          </a:xfrm>
+          <a:prstGeom prst="roundRect">
+            <a:avLst>
+              <a:gd name="adj" fmla="val 15249"/>
+            </a:avLst>
+          </a:prstGeom>
+          <a:noFill/>
+          <a:ln>
+            <a:noFill/>
+          </a:ln>
+        </p:spPr>
+        <p:style>
+          <a:lnRef idx="2">
+            <a:schemeClr val="dk1"/>
+          </a:lnRef>
+          <a:fillRef idx="1">
+            <a:schemeClr val="lt1"/>
+          </a:fillRef>
+          <a:effectRef idx="0">
+            <a:schemeClr val="dk1"/>
+          </a:effectRef>
+          <a:fontRef idx="minor">
+            <a:schemeClr val="dk1"/>
+          </a:fontRef>
+        </p:style>
+        <p:txBody>
+          <a:bodyPr rtlCol="0" anchor="ctr"/>
+          <a:lstStyle/>
+          <a:p>
+            <a:pPr algn="ctr"/>
+            <a:r>
+              <a:rPr lang="en-US" altLang="ko-KR" sz="1400" b="1"/>
+              <a:t>Query</a:t>
+            </a:r>
+            <a:r>
+              <a:rPr lang="ko-KR" altLang="en-US" sz="1400" b="1"/>
+              <a:t> </a:t>
+            </a:r>
+            <a:r>
+              <a:rPr lang="en-US" altLang="ko-KR" sz="1400" b="1"/>
+              <a:t>Model</a:t>
+            </a:r>
+          </a:p>
+        </p:txBody>
+      </p:sp>
+      <p:sp>
+        <p:nvSpPr>
+          <p:cNvPr id="34" name="사각형: 둥근 모서리 33">
+            <a:extLst>
+              <a:ext uri="{FF2B5EF4-FFF2-40B4-BE49-F238E27FC236}">
+                <a16:creationId xmlns:a16="http://schemas.microsoft.com/office/drawing/2014/main" id="{30BA5942-2046-40BA-8DAE-CD082AA4C592}"/>
+              </a:ext>
+            </a:extLst>
+          </p:cNvPr>
+          <p:cNvSpPr/>
+          <p:nvPr/>
+        </p:nvSpPr>
+        <p:spPr>
+          <a:xfrm>
+            <a:off x="971602" y="2987375"/>
+            <a:ext cx="1944214" cy="349340"/>
+          </a:xfrm>
+          <a:prstGeom prst="roundRect">
+            <a:avLst>
+              <a:gd name="adj" fmla="val 15249"/>
+            </a:avLst>
+          </a:prstGeom>
+          <a:noFill/>
+          <a:ln>
+            <a:noFill/>
+          </a:ln>
+        </p:spPr>
+        <p:style>
+          <a:lnRef idx="2">
+            <a:schemeClr val="dk1"/>
+          </a:lnRef>
+          <a:fillRef idx="1">
+            <a:schemeClr val="lt1"/>
+          </a:fillRef>
+          <a:effectRef idx="0">
+            <a:schemeClr val="dk1"/>
+          </a:effectRef>
+          <a:fontRef idx="minor">
+            <a:schemeClr val="dk1"/>
+          </a:fontRef>
+        </p:style>
+        <p:txBody>
+          <a:bodyPr rtlCol="0" anchor="ctr"/>
+          <a:lstStyle/>
+          <a:p>
+            <a:pPr algn="ctr"/>
+            <a:r>
+              <a:rPr lang="en-US" altLang="ko-KR" sz="1100"/>
+              <a:t>Command</a:t>
+            </a:r>
+          </a:p>
+          <a:p>
+            <a:pPr algn="ctr"/>
+            <a:r>
+              <a:rPr lang="en-US" altLang="ko-KR" sz="1100"/>
+              <a:t>(Create / Update / Delete)</a:t>
+            </a:r>
+          </a:p>
+        </p:txBody>
+      </p:sp>
+      <p:sp>
+        <p:nvSpPr>
+          <p:cNvPr id="40" name="사각형: 둥근 모서리 39">
+            <a:extLst>
+              <a:ext uri="{FF2B5EF4-FFF2-40B4-BE49-F238E27FC236}">
+                <a16:creationId xmlns:a16="http://schemas.microsoft.com/office/drawing/2014/main" id="{D8E35139-F9C8-4916-B7C4-98069FA26B0E}"/>
+              </a:ext>
+            </a:extLst>
+          </p:cNvPr>
+          <p:cNvSpPr/>
+          <p:nvPr/>
+        </p:nvSpPr>
+        <p:spPr>
+          <a:xfrm>
+            <a:off x="5116314" y="3023752"/>
+            <a:ext cx="1368152" cy="349340"/>
+          </a:xfrm>
+          <a:prstGeom prst="roundRect">
+            <a:avLst>
+              <a:gd name="adj" fmla="val 15249"/>
+            </a:avLst>
+          </a:prstGeom>
+          <a:noFill/>
+          <a:ln>
+            <a:noFill/>
+          </a:ln>
+        </p:spPr>
+        <p:style>
+          <a:lnRef idx="2">
+            <a:schemeClr val="dk1"/>
+          </a:lnRef>
+          <a:fillRef idx="1">
+            <a:schemeClr val="lt1"/>
+          </a:fillRef>
+          <a:effectRef idx="0">
+            <a:schemeClr val="dk1"/>
+          </a:effectRef>
+          <a:fontRef idx="minor">
+            <a:schemeClr val="dk1"/>
+          </a:fontRef>
+        </p:style>
+        <p:txBody>
+          <a:bodyPr rtlCol="0" anchor="ctr"/>
+          <a:lstStyle/>
+          <a:p>
+            <a:pPr algn="ctr"/>
+            <a:r>
+              <a:rPr lang="en-US" altLang="ko-KR" sz="1100"/>
+              <a:t>Query Result</a:t>
+            </a:r>
+          </a:p>
+        </p:txBody>
+      </p:sp>
+      <p:cxnSp>
+        <p:nvCxnSpPr>
+          <p:cNvPr id="47" name="직선 화살표 연결선 46">
+            <a:extLst>
+              <a:ext uri="{FF2B5EF4-FFF2-40B4-BE49-F238E27FC236}">
+                <a16:creationId xmlns:a16="http://schemas.microsoft.com/office/drawing/2014/main" id="{EF90BD36-226F-4C61-B59E-C493549D2470}"/>
+              </a:ext>
+            </a:extLst>
+          </p:cNvPr>
+          <p:cNvCxnSpPr>
+            <a:cxnSpLocks/>
+            <a:stCxn id="5" idx="4"/>
+            <a:endCxn id="52" idx="2"/>
+          </p:cNvCxnSpPr>
+          <p:nvPr/>
+        </p:nvCxnSpPr>
+        <p:spPr>
+          <a:xfrm>
+            <a:off x="3601731" y="3806586"/>
+            <a:ext cx="1940538" cy="0"/>
+          </a:xfrm>
+          <a:prstGeom prst="straightConnector1">
+            <a:avLst/>
+          </a:prstGeom>
+          <a:ln w="19050">
+            <a:solidFill>
+              <a:schemeClr val="tx1"/>
+            </a:solidFill>
+            <a:headEnd type="none" w="med" len="med"/>
+            <a:tailEnd type="arrow" w="med" len="med"/>
+          </a:ln>
+        </p:spPr>
+        <p:style>
+          <a:lnRef idx="1">
+            <a:schemeClr val="accent1"/>
+          </a:lnRef>
+          <a:fillRef idx="0">
+            <a:schemeClr val="accent1"/>
+          </a:fillRef>
+          <a:effectRef idx="0">
+            <a:schemeClr val="accent1"/>
+          </a:effectRef>
+          <a:fontRef idx="minor">
+            <a:schemeClr val="tx1"/>
+          </a:fontRef>
+        </p:style>
+      </p:cxnSp>
     </p:spTree>
     <p:extLst>
       <p:ext uri="{BB962C8B-B14F-4D97-AF65-F5344CB8AC3E}">
-        <p14:creationId xmlns:p14="http://schemas.microsoft.com/office/powerpoint/2010/main" val="3700898893"/>
+        <p14:creationId xmlns:p14="http://schemas.microsoft.com/office/powerpoint/2010/main" val="2541213679"/>
       </p:ext>
     </p:extLst>
   </p:cSld>
@@ -6861,7 +7146,7 @@
         <p:spPr>
           <a:xfrm>
             <a:off x="2396019" y="1491630"/>
-            <a:ext cx="1487272" cy="2232248"/>
+            <a:ext cx="1487272" cy="1768100"/>
           </a:xfrm>
           <a:prstGeom prst="can">
             <a:avLst>
@@ -7354,162 +7639,6 @@
           </a:p>
         </p:txBody>
       </p:sp>
-      <p:sp>
-        <p:nvSpPr>
-          <p:cNvPr id="3" name="타원 2">
-            <a:extLst>
-              <a:ext uri="{FF2B5EF4-FFF2-40B4-BE49-F238E27FC236}">
-                <a16:creationId xmlns:a16="http://schemas.microsoft.com/office/drawing/2014/main" id="{77E7D701-FF35-4A61-8FBD-BBFE23827D71}"/>
-              </a:ext>
-            </a:extLst>
-          </p:cNvPr>
-          <p:cNvSpPr/>
-          <p:nvPr/>
-        </p:nvSpPr>
-        <p:spPr>
-          <a:xfrm>
-            <a:off x="3114668" y="2931790"/>
-            <a:ext cx="82708" cy="82708"/>
-          </a:xfrm>
-          <a:prstGeom prst="ellipse">
-            <a:avLst/>
-          </a:prstGeom>
-          <a:solidFill>
-            <a:schemeClr val="tx1"/>
-          </a:solidFill>
-          <a:ln>
-            <a:noFill/>
-          </a:ln>
-        </p:spPr>
-        <p:style>
-          <a:lnRef idx="2">
-            <a:schemeClr val="accent1">
-              <a:shade val="50000"/>
-            </a:schemeClr>
-          </a:lnRef>
-          <a:fillRef idx="1">
-            <a:schemeClr val="accent1"/>
-          </a:fillRef>
-          <a:effectRef idx="0">
-            <a:schemeClr val="accent1"/>
-          </a:effectRef>
-          <a:fontRef idx="minor">
-            <a:schemeClr val="lt1"/>
-          </a:fontRef>
-        </p:style>
-        <p:txBody>
-          <a:bodyPr rtlCol="0" anchor="ctr"/>
-          <a:lstStyle/>
-          <a:p>
-            <a:pPr algn="ctr"/>
-            <a:endParaRPr lang="ko-KR" altLang="en-US"/>
-          </a:p>
-        </p:txBody>
-      </p:sp>
-      <p:sp>
-        <p:nvSpPr>
-          <p:cNvPr id="33" name="타원 32">
-            <a:extLst>
-              <a:ext uri="{FF2B5EF4-FFF2-40B4-BE49-F238E27FC236}">
-                <a16:creationId xmlns:a16="http://schemas.microsoft.com/office/drawing/2014/main" id="{30517BF4-A68B-44A7-9528-21D0BD792F61}"/>
-              </a:ext>
-            </a:extLst>
-          </p:cNvPr>
-          <p:cNvSpPr/>
-          <p:nvPr/>
-        </p:nvSpPr>
-        <p:spPr>
-          <a:xfrm>
-            <a:off x="3114668" y="3075806"/>
-            <a:ext cx="82708" cy="82708"/>
-          </a:xfrm>
-          <a:prstGeom prst="ellipse">
-            <a:avLst/>
-          </a:prstGeom>
-          <a:solidFill>
-            <a:schemeClr val="tx1"/>
-          </a:solidFill>
-          <a:ln>
-            <a:noFill/>
-          </a:ln>
-        </p:spPr>
-        <p:style>
-          <a:lnRef idx="2">
-            <a:schemeClr val="accent1">
-              <a:shade val="50000"/>
-            </a:schemeClr>
-          </a:lnRef>
-          <a:fillRef idx="1">
-            <a:schemeClr val="accent1"/>
-          </a:fillRef>
-          <a:effectRef idx="0">
-            <a:schemeClr val="accent1"/>
-          </a:effectRef>
-          <a:fontRef idx="minor">
-            <a:schemeClr val="lt1"/>
-          </a:fontRef>
-        </p:style>
-        <p:txBody>
-          <a:bodyPr rtlCol="0" anchor="ctr"/>
-          <a:lstStyle/>
-          <a:p>
-            <a:pPr algn="ctr"/>
-            <a:endParaRPr lang="ko-KR" altLang="en-US"/>
-          </a:p>
-        </p:txBody>
-      </p:sp>
-      <p:sp>
-        <p:nvSpPr>
-          <p:cNvPr id="34" name="타원 33">
-            <a:extLst>
-              <a:ext uri="{FF2B5EF4-FFF2-40B4-BE49-F238E27FC236}">
-                <a16:creationId xmlns:a16="http://schemas.microsoft.com/office/drawing/2014/main" id="{F7BCC1B6-F50B-4863-9744-1326B20A9A2E}"/>
-              </a:ext>
-            </a:extLst>
-          </p:cNvPr>
-          <p:cNvSpPr/>
-          <p:nvPr/>
-        </p:nvSpPr>
-        <p:spPr>
-          <a:xfrm>
-            <a:off x="3114668" y="3219822"/>
-            <a:ext cx="82708" cy="82708"/>
-          </a:xfrm>
-          <a:prstGeom prst="ellipse">
-            <a:avLst/>
-          </a:prstGeom>
-          <a:solidFill>
-            <a:schemeClr val="tx1"/>
-          </a:solidFill>
-          <a:ln>
-            <a:noFill/>
-          </a:ln>
-        </p:spPr>
-        <p:style>
-          <a:lnRef idx="2">
-            <a:schemeClr val="accent1">
-              <a:shade val="50000"/>
-            </a:schemeClr>
-          </a:lnRef>
-          <a:fillRef idx="1">
-            <a:schemeClr val="accent1"/>
-          </a:fillRef>
-          <a:effectRef idx="0">
-            <a:schemeClr val="accent1"/>
-          </a:effectRef>
-          <a:fontRef idx="minor">
-            <a:schemeClr val="lt1"/>
-          </a:fontRef>
-        </p:style>
-        <p:txBody>
-          <a:bodyPr rtlCol="0" anchor="ctr"/>
-          <a:lstStyle/>
-          <a:p>
-            <a:pPr algn="ctr"/>
-            <a:endParaRPr lang="ko-KR" altLang="en-US"/>
-          </a:p>
-        </p:txBody>
-      </p:sp>
       <p:cxnSp>
         <p:nvCxnSpPr>
           <p:cNvPr id="6" name="직선 연결선 5">
@@ -7527,7 +7656,7 @@
         <p:spPr>
           <a:xfrm>
             <a:off x="4572000" y="1347614"/>
-            <a:ext cx="0" cy="2736304"/>
+            <a:ext cx="0" cy="2376264"/>
           </a:xfrm>
           <a:prstGeom prst="line">
             <a:avLst/>
@@ -7568,7 +7697,7 @@
         </p:nvSpPr>
         <p:spPr>
           <a:xfrm>
-            <a:off x="2471946" y="3677140"/>
+            <a:off x="2471946" y="3291830"/>
             <a:ext cx="1368152" cy="349340"/>
           </a:xfrm>
           <a:prstGeom prst="roundRect">
@@ -7621,7 +7750,7 @@
         </p:nvSpPr>
         <p:spPr>
           <a:xfrm>
-            <a:off x="5278773" y="3677140"/>
+            <a:off x="5278773" y="3291830"/>
             <a:ext cx="1368152" cy="349340"/>
           </a:xfrm>
           <a:prstGeom prst="roundRect">
@@ -7660,10 +7789,53 @@
           </a:p>
         </p:txBody>
       </p:sp>
+      <p:cxnSp>
+        <p:nvCxnSpPr>
+          <p:cNvPr id="8" name="직선 화살표 연결선 7">
+            <a:extLst>
+              <a:ext uri="{FF2B5EF4-FFF2-40B4-BE49-F238E27FC236}">
+                <a16:creationId xmlns:a16="http://schemas.microsoft.com/office/drawing/2014/main" id="{A69FC840-AC7B-4743-8114-6DECF6BC0BE2}"/>
+              </a:ext>
+            </a:extLst>
+          </p:cNvPr>
+          <p:cNvCxnSpPr/>
+          <p:nvPr/>
+        </p:nvCxnSpPr>
+        <p:spPr>
+          <a:xfrm>
+            <a:off x="2267744" y="1779662"/>
+            <a:ext cx="0" cy="1296144"/>
+          </a:xfrm>
+          <a:prstGeom prst="straightConnector1">
+            <a:avLst/>
+          </a:prstGeom>
+          <a:ln w="19050">
+            <a:solidFill>
+              <a:schemeClr val="tx1"/>
+            </a:solidFill>
+            <a:headEnd type="none" w="med" len="med"/>
+            <a:tailEnd type="arrow" w="med" len="med"/>
+          </a:ln>
+        </p:spPr>
+        <p:style>
+          <a:lnRef idx="1">
+            <a:schemeClr val="accent1"/>
+          </a:lnRef>
+          <a:fillRef idx="0">
+            <a:schemeClr val="accent1"/>
+          </a:fillRef>
+          <a:effectRef idx="0">
+            <a:schemeClr val="accent1"/>
+          </a:effectRef>
+          <a:fontRef idx="minor">
+            <a:schemeClr val="tx1"/>
+          </a:fontRef>
+        </p:style>
+      </p:cxnSp>
     </p:spTree>
     <p:extLst>
       <p:ext uri="{BB962C8B-B14F-4D97-AF65-F5344CB8AC3E}">
-        <p14:creationId xmlns:p14="http://schemas.microsoft.com/office/powerpoint/2010/main" val="926426173"/>
+        <p14:creationId xmlns:p14="http://schemas.microsoft.com/office/powerpoint/2010/main" val="3700898893"/>
       </p:ext>
     </p:extLst>
   </p:cSld>
@@ -7726,6 +7898,884 @@
       </p:sp>
       <p:sp>
         <p:nvSpPr>
+          <p:cNvPr id="5" name="원통형 4">
+            <a:extLst>
+              <a:ext uri="{FF2B5EF4-FFF2-40B4-BE49-F238E27FC236}">
+                <a16:creationId xmlns:a16="http://schemas.microsoft.com/office/drawing/2014/main" id="{FAC56514-D9B2-41C7-AE0E-23ADC6396C35}"/>
+              </a:ext>
+            </a:extLst>
+          </p:cNvPr>
+          <p:cNvSpPr/>
+          <p:nvPr/>
+        </p:nvSpPr>
+        <p:spPr>
+          <a:xfrm>
+            <a:off x="2396019" y="1491630"/>
+            <a:ext cx="1487272" cy="2232248"/>
+          </a:xfrm>
+          <a:prstGeom prst="can">
+            <a:avLst>
+              <a:gd name="adj" fmla="val 16441"/>
+            </a:avLst>
+          </a:prstGeom>
+        </p:spPr>
+        <p:style>
+          <a:lnRef idx="2">
+            <a:schemeClr val="dk1"/>
+          </a:lnRef>
+          <a:fillRef idx="1">
+            <a:schemeClr val="lt1"/>
+          </a:fillRef>
+          <a:effectRef idx="0">
+            <a:schemeClr val="dk1"/>
+          </a:effectRef>
+          <a:fontRef idx="minor">
+            <a:schemeClr val="dk1"/>
+          </a:fontRef>
+        </p:style>
+        <p:txBody>
+          <a:bodyPr rtlCol="0" anchor="b"/>
+          <a:lstStyle/>
+          <a:p>
+            <a:pPr algn="ctr"/>
+            <a:r>
+              <a:rPr lang="en-US" altLang="ko-KR" sz="1200"/>
+              <a:t>Event Store</a:t>
+            </a:r>
+            <a:endParaRPr lang="ko-KR" altLang="en-US" sz="1200"/>
+          </a:p>
+        </p:txBody>
+      </p:sp>
+      <p:sp>
+        <p:nvSpPr>
+          <p:cNvPr id="44" name="사각형: 둥근 모서리 43">
+            <a:extLst>
+              <a:ext uri="{FF2B5EF4-FFF2-40B4-BE49-F238E27FC236}">
+                <a16:creationId xmlns:a16="http://schemas.microsoft.com/office/drawing/2014/main" id="{CD7760F1-123F-47E1-B194-FFA3698EC3CF}"/>
+              </a:ext>
+            </a:extLst>
+          </p:cNvPr>
+          <p:cNvSpPr/>
+          <p:nvPr/>
+        </p:nvSpPr>
+        <p:spPr>
+          <a:xfrm>
+            <a:off x="2505870" y="1831716"/>
+            <a:ext cx="1267570" cy="257883"/>
+          </a:xfrm>
+          <a:prstGeom prst="roundRect">
+            <a:avLst>
+              <a:gd name="adj" fmla="val 15249"/>
+            </a:avLst>
+          </a:prstGeom>
+        </p:spPr>
+        <p:style>
+          <a:lnRef idx="2">
+            <a:schemeClr val="dk1"/>
+          </a:lnRef>
+          <a:fillRef idx="1">
+            <a:schemeClr val="lt1"/>
+          </a:fillRef>
+          <a:effectRef idx="0">
+            <a:schemeClr val="dk1"/>
+          </a:effectRef>
+          <a:fontRef idx="minor">
+            <a:schemeClr val="dk1"/>
+          </a:fontRef>
+        </p:style>
+        <p:txBody>
+          <a:bodyPr rtlCol="0" anchor="ctr"/>
+          <a:lstStyle/>
+          <a:p>
+            <a:pPr algn="ctr"/>
+            <a:r>
+              <a:rPr lang="en-US" altLang="ko-KR" sz="1100"/>
+              <a:t>phone +2</a:t>
+            </a:r>
+            <a:endParaRPr lang="ko-KR" altLang="en-US" sz="1100"/>
+          </a:p>
+        </p:txBody>
+      </p:sp>
+      <p:sp>
+        <p:nvSpPr>
+          <p:cNvPr id="45" name="사각형: 둥근 모서리 44">
+            <a:extLst>
+              <a:ext uri="{FF2B5EF4-FFF2-40B4-BE49-F238E27FC236}">
+                <a16:creationId xmlns:a16="http://schemas.microsoft.com/office/drawing/2014/main" id="{D3AFFFF8-4A3E-4EE5-9906-D235D9D22C4C}"/>
+              </a:ext>
+            </a:extLst>
+          </p:cNvPr>
+          <p:cNvSpPr/>
+          <p:nvPr/>
+        </p:nvSpPr>
+        <p:spPr>
+          <a:xfrm>
+            <a:off x="2505870" y="2089599"/>
+            <a:ext cx="1267570" cy="257883"/>
+          </a:xfrm>
+          <a:prstGeom prst="roundRect">
+            <a:avLst>
+              <a:gd name="adj" fmla="val 15249"/>
+            </a:avLst>
+          </a:prstGeom>
+        </p:spPr>
+        <p:style>
+          <a:lnRef idx="2">
+            <a:schemeClr val="dk1"/>
+          </a:lnRef>
+          <a:fillRef idx="1">
+            <a:schemeClr val="lt1"/>
+          </a:fillRef>
+          <a:effectRef idx="0">
+            <a:schemeClr val="dk1"/>
+          </a:effectRef>
+          <a:fontRef idx="minor">
+            <a:schemeClr val="dk1"/>
+          </a:fontRef>
+        </p:style>
+        <p:txBody>
+          <a:bodyPr rtlCol="0" anchor="ctr"/>
+          <a:lstStyle/>
+          <a:p>
+            <a:pPr algn="ctr"/>
+            <a:r>
+              <a:rPr lang="en-US" altLang="ko-KR" sz="1100"/>
+              <a:t>book +4</a:t>
+            </a:r>
+            <a:endParaRPr lang="ko-KR" altLang="en-US" sz="1100"/>
+          </a:p>
+        </p:txBody>
+      </p:sp>
+      <p:sp>
+        <p:nvSpPr>
+          <p:cNvPr id="46" name="사각형: 둥근 모서리 45">
+            <a:extLst>
+              <a:ext uri="{FF2B5EF4-FFF2-40B4-BE49-F238E27FC236}">
+                <a16:creationId xmlns:a16="http://schemas.microsoft.com/office/drawing/2014/main" id="{B7226514-9605-4517-AE7A-3C6054F28FDF}"/>
+              </a:ext>
+            </a:extLst>
+          </p:cNvPr>
+          <p:cNvSpPr/>
+          <p:nvPr/>
+        </p:nvSpPr>
+        <p:spPr>
+          <a:xfrm>
+            <a:off x="2505870" y="2346472"/>
+            <a:ext cx="1267570" cy="257883"/>
+          </a:xfrm>
+          <a:prstGeom prst="roundRect">
+            <a:avLst>
+              <a:gd name="adj" fmla="val 15249"/>
+            </a:avLst>
+          </a:prstGeom>
+        </p:spPr>
+        <p:style>
+          <a:lnRef idx="2">
+            <a:schemeClr val="dk1"/>
+          </a:lnRef>
+          <a:fillRef idx="1">
+            <a:schemeClr val="lt1"/>
+          </a:fillRef>
+          <a:effectRef idx="0">
+            <a:schemeClr val="dk1"/>
+          </a:effectRef>
+          <a:fontRef idx="minor">
+            <a:schemeClr val="dk1"/>
+          </a:fontRef>
+        </p:style>
+        <p:txBody>
+          <a:bodyPr rtlCol="0" anchor="ctr"/>
+          <a:lstStyle/>
+          <a:p>
+            <a:pPr algn="ctr"/>
+            <a:r>
+              <a:rPr lang="en-US" altLang="ko-KR" sz="1100"/>
+              <a:t>phone +3</a:t>
+            </a:r>
+            <a:endParaRPr lang="ko-KR" altLang="en-US" sz="1100"/>
+          </a:p>
+        </p:txBody>
+      </p:sp>
+      <p:sp>
+        <p:nvSpPr>
+          <p:cNvPr id="52" name="원통형 51">
+            <a:extLst>
+              <a:ext uri="{FF2B5EF4-FFF2-40B4-BE49-F238E27FC236}">
+                <a16:creationId xmlns:a16="http://schemas.microsoft.com/office/drawing/2014/main" id="{9CC6A4D3-E0A6-4172-9B34-9835484C6432}"/>
+              </a:ext>
+            </a:extLst>
+          </p:cNvPr>
+          <p:cNvSpPr/>
+          <p:nvPr/>
+        </p:nvSpPr>
+        <p:spPr>
+          <a:xfrm>
+            <a:off x="5220072" y="1995686"/>
+            <a:ext cx="1487272" cy="1264044"/>
+          </a:xfrm>
+          <a:prstGeom prst="can">
+            <a:avLst>
+              <a:gd name="adj" fmla="val 16441"/>
+            </a:avLst>
+          </a:prstGeom>
+        </p:spPr>
+        <p:style>
+          <a:lnRef idx="2">
+            <a:schemeClr val="dk1"/>
+          </a:lnRef>
+          <a:fillRef idx="1">
+            <a:schemeClr val="lt1"/>
+          </a:fillRef>
+          <a:effectRef idx="0">
+            <a:schemeClr val="dk1"/>
+          </a:effectRef>
+          <a:fontRef idx="minor">
+            <a:schemeClr val="dk1"/>
+          </a:fontRef>
+        </p:style>
+        <p:txBody>
+          <a:bodyPr rtlCol="0" anchor="b"/>
+          <a:lstStyle/>
+          <a:p>
+            <a:pPr algn="ctr"/>
+            <a:r>
+              <a:rPr lang="en-US" altLang="ko-KR" sz="1200"/>
+              <a:t>Database</a:t>
+            </a:r>
+            <a:endParaRPr lang="ko-KR" altLang="en-US" sz="1200"/>
+          </a:p>
+        </p:txBody>
+      </p:sp>
+      <p:sp>
+        <p:nvSpPr>
+          <p:cNvPr id="53" name="사각형: 둥근 모서리 52">
+            <a:extLst>
+              <a:ext uri="{FF2B5EF4-FFF2-40B4-BE49-F238E27FC236}">
+                <a16:creationId xmlns:a16="http://schemas.microsoft.com/office/drawing/2014/main" id="{78E39BB1-30FB-41BC-8185-51118F1A4B98}"/>
+              </a:ext>
+            </a:extLst>
+          </p:cNvPr>
+          <p:cNvSpPr/>
+          <p:nvPr/>
+        </p:nvSpPr>
+        <p:spPr>
+          <a:xfrm>
+            <a:off x="5329923" y="2335772"/>
+            <a:ext cx="864096" cy="257883"/>
+          </a:xfrm>
+          <a:prstGeom prst="roundRect">
+            <a:avLst>
+              <a:gd name="adj" fmla="val 15249"/>
+            </a:avLst>
+          </a:prstGeom>
+        </p:spPr>
+        <p:style>
+          <a:lnRef idx="2">
+            <a:schemeClr val="dk1"/>
+          </a:lnRef>
+          <a:fillRef idx="1">
+            <a:schemeClr val="lt1"/>
+          </a:fillRef>
+          <a:effectRef idx="0">
+            <a:schemeClr val="dk1"/>
+          </a:effectRef>
+          <a:fontRef idx="minor">
+            <a:schemeClr val="dk1"/>
+          </a:fontRef>
+        </p:style>
+        <p:txBody>
+          <a:bodyPr rtlCol="0" anchor="ctr"/>
+          <a:lstStyle/>
+          <a:p>
+            <a:pPr algn="ctr"/>
+            <a:r>
+              <a:rPr lang="en-US" altLang="ko-KR" sz="1100"/>
+              <a:t>phone</a:t>
+            </a:r>
+            <a:endParaRPr lang="ko-KR" altLang="en-US" sz="1100"/>
+          </a:p>
+        </p:txBody>
+      </p:sp>
+      <p:sp>
+        <p:nvSpPr>
+          <p:cNvPr id="56" name="사각형: 둥근 모서리 55">
+            <a:extLst>
+              <a:ext uri="{FF2B5EF4-FFF2-40B4-BE49-F238E27FC236}">
+                <a16:creationId xmlns:a16="http://schemas.microsoft.com/office/drawing/2014/main" id="{18AD1C90-650C-4515-BBA9-2F884063F646}"/>
+              </a:ext>
+            </a:extLst>
+          </p:cNvPr>
+          <p:cNvSpPr/>
+          <p:nvPr/>
+        </p:nvSpPr>
+        <p:spPr>
+          <a:xfrm>
+            <a:off x="6194019" y="2335772"/>
+            <a:ext cx="403474" cy="257883"/>
+          </a:xfrm>
+          <a:prstGeom prst="roundRect">
+            <a:avLst>
+              <a:gd name="adj" fmla="val 15249"/>
+            </a:avLst>
+          </a:prstGeom>
+        </p:spPr>
+        <p:style>
+          <a:lnRef idx="2">
+            <a:schemeClr val="dk1"/>
+          </a:lnRef>
+          <a:fillRef idx="1">
+            <a:schemeClr val="lt1"/>
+          </a:fillRef>
+          <a:effectRef idx="0">
+            <a:schemeClr val="dk1"/>
+          </a:effectRef>
+          <a:fontRef idx="minor">
+            <a:schemeClr val="dk1"/>
+          </a:fontRef>
+        </p:style>
+        <p:txBody>
+          <a:bodyPr rtlCol="0" anchor="ctr"/>
+          <a:lstStyle/>
+          <a:p>
+            <a:pPr algn="ctr"/>
+            <a:r>
+              <a:rPr lang="en-US" altLang="ko-KR" sz="1100"/>
+              <a:t>6</a:t>
+            </a:r>
+            <a:endParaRPr lang="ko-KR" altLang="en-US" sz="1100"/>
+          </a:p>
+        </p:txBody>
+      </p:sp>
+      <p:sp>
+        <p:nvSpPr>
+          <p:cNvPr id="57" name="사각형: 둥근 모서리 56">
+            <a:extLst>
+              <a:ext uri="{FF2B5EF4-FFF2-40B4-BE49-F238E27FC236}">
+                <a16:creationId xmlns:a16="http://schemas.microsoft.com/office/drawing/2014/main" id="{02436563-ABF9-46C8-929C-11AF988B2A33}"/>
+              </a:ext>
+            </a:extLst>
+          </p:cNvPr>
+          <p:cNvSpPr/>
+          <p:nvPr/>
+        </p:nvSpPr>
+        <p:spPr>
+          <a:xfrm>
+            <a:off x="5329923" y="2593150"/>
+            <a:ext cx="864096" cy="257883"/>
+          </a:xfrm>
+          <a:prstGeom prst="roundRect">
+            <a:avLst>
+              <a:gd name="adj" fmla="val 15249"/>
+            </a:avLst>
+          </a:prstGeom>
+        </p:spPr>
+        <p:style>
+          <a:lnRef idx="2">
+            <a:schemeClr val="dk1"/>
+          </a:lnRef>
+          <a:fillRef idx="1">
+            <a:schemeClr val="lt1"/>
+          </a:fillRef>
+          <a:effectRef idx="0">
+            <a:schemeClr val="dk1"/>
+          </a:effectRef>
+          <a:fontRef idx="minor">
+            <a:schemeClr val="dk1"/>
+          </a:fontRef>
+        </p:style>
+        <p:txBody>
+          <a:bodyPr rtlCol="0" anchor="ctr"/>
+          <a:lstStyle/>
+          <a:p>
+            <a:pPr algn="ctr"/>
+            <a:r>
+              <a:rPr lang="en-US" altLang="ko-KR" sz="1100"/>
+              <a:t>book</a:t>
+            </a:r>
+            <a:endParaRPr lang="ko-KR" altLang="en-US" sz="1100"/>
+          </a:p>
+        </p:txBody>
+      </p:sp>
+      <p:sp>
+        <p:nvSpPr>
+          <p:cNvPr id="58" name="사각형: 둥근 모서리 57">
+            <a:extLst>
+              <a:ext uri="{FF2B5EF4-FFF2-40B4-BE49-F238E27FC236}">
+                <a16:creationId xmlns:a16="http://schemas.microsoft.com/office/drawing/2014/main" id="{8882E4F7-7C5B-45A2-B75C-F2D5C209A955}"/>
+              </a:ext>
+            </a:extLst>
+          </p:cNvPr>
+          <p:cNvSpPr/>
+          <p:nvPr/>
+        </p:nvSpPr>
+        <p:spPr>
+          <a:xfrm>
+            <a:off x="6194019" y="2593150"/>
+            <a:ext cx="403474" cy="257883"/>
+          </a:xfrm>
+          <a:prstGeom prst="roundRect">
+            <a:avLst>
+              <a:gd name="adj" fmla="val 15249"/>
+            </a:avLst>
+          </a:prstGeom>
+        </p:spPr>
+        <p:style>
+          <a:lnRef idx="2">
+            <a:schemeClr val="dk1"/>
+          </a:lnRef>
+          <a:fillRef idx="1">
+            <a:schemeClr val="lt1"/>
+          </a:fillRef>
+          <a:effectRef idx="0">
+            <a:schemeClr val="dk1"/>
+          </a:effectRef>
+          <a:fontRef idx="minor">
+            <a:schemeClr val="dk1"/>
+          </a:fontRef>
+        </p:style>
+        <p:txBody>
+          <a:bodyPr rtlCol="0" anchor="ctr"/>
+          <a:lstStyle/>
+          <a:p>
+            <a:pPr algn="ctr"/>
+            <a:r>
+              <a:rPr lang="en-US" altLang="ko-KR" sz="1100"/>
+              <a:t>3</a:t>
+            </a:r>
+            <a:endParaRPr lang="ko-KR" altLang="en-US" sz="1100"/>
+          </a:p>
+        </p:txBody>
+      </p:sp>
+      <p:sp>
+        <p:nvSpPr>
+          <p:cNvPr id="31" name="사각형: 둥근 모서리 30">
+            <a:extLst>
+              <a:ext uri="{FF2B5EF4-FFF2-40B4-BE49-F238E27FC236}">
+                <a16:creationId xmlns:a16="http://schemas.microsoft.com/office/drawing/2014/main" id="{5909F938-71A1-4D76-BC53-7C812146E4D0}"/>
+              </a:ext>
+            </a:extLst>
+          </p:cNvPr>
+          <p:cNvSpPr/>
+          <p:nvPr/>
+        </p:nvSpPr>
+        <p:spPr>
+          <a:xfrm>
+            <a:off x="2505870" y="2603345"/>
+            <a:ext cx="1267570" cy="257883"/>
+          </a:xfrm>
+          <a:prstGeom prst="roundRect">
+            <a:avLst>
+              <a:gd name="adj" fmla="val 15249"/>
+            </a:avLst>
+          </a:prstGeom>
+        </p:spPr>
+        <p:style>
+          <a:lnRef idx="2">
+            <a:schemeClr val="dk1"/>
+          </a:lnRef>
+          <a:fillRef idx="1">
+            <a:schemeClr val="lt1"/>
+          </a:fillRef>
+          <a:effectRef idx="0">
+            <a:schemeClr val="dk1"/>
+          </a:effectRef>
+          <a:fontRef idx="minor">
+            <a:schemeClr val="dk1"/>
+          </a:fontRef>
+        </p:style>
+        <p:txBody>
+          <a:bodyPr rtlCol="0" anchor="ctr"/>
+          <a:lstStyle/>
+          <a:p>
+            <a:pPr algn="ctr"/>
+            <a:r>
+              <a:rPr lang="en-US" altLang="ko-KR" sz="1100"/>
+              <a:t>book</a:t>
+            </a:r>
+            <a:r>
+              <a:rPr lang="ko-KR" altLang="en-US" sz="1100"/>
+              <a:t> </a:t>
+            </a:r>
+            <a:r>
+              <a:rPr lang="en-US" altLang="ko-KR" sz="1100"/>
+              <a:t>-1</a:t>
+            </a:r>
+            <a:endParaRPr lang="ko-KR" altLang="en-US" sz="1100"/>
+          </a:p>
+        </p:txBody>
+      </p:sp>
+      <p:sp>
+        <p:nvSpPr>
+          <p:cNvPr id="3" name="타원 2">
+            <a:extLst>
+              <a:ext uri="{FF2B5EF4-FFF2-40B4-BE49-F238E27FC236}">
+                <a16:creationId xmlns:a16="http://schemas.microsoft.com/office/drawing/2014/main" id="{77E7D701-FF35-4A61-8FBD-BBFE23827D71}"/>
+              </a:ext>
+            </a:extLst>
+          </p:cNvPr>
+          <p:cNvSpPr/>
+          <p:nvPr/>
+        </p:nvSpPr>
+        <p:spPr>
+          <a:xfrm>
+            <a:off x="3114668" y="2931790"/>
+            <a:ext cx="82708" cy="82708"/>
+          </a:xfrm>
+          <a:prstGeom prst="ellipse">
+            <a:avLst/>
+          </a:prstGeom>
+          <a:solidFill>
+            <a:schemeClr val="tx1"/>
+          </a:solidFill>
+          <a:ln>
+            <a:noFill/>
+          </a:ln>
+        </p:spPr>
+        <p:style>
+          <a:lnRef idx="2">
+            <a:schemeClr val="accent1">
+              <a:shade val="50000"/>
+            </a:schemeClr>
+          </a:lnRef>
+          <a:fillRef idx="1">
+            <a:schemeClr val="accent1"/>
+          </a:fillRef>
+          <a:effectRef idx="0">
+            <a:schemeClr val="accent1"/>
+          </a:effectRef>
+          <a:fontRef idx="minor">
+            <a:schemeClr val="lt1"/>
+          </a:fontRef>
+        </p:style>
+        <p:txBody>
+          <a:bodyPr rtlCol="0" anchor="ctr"/>
+          <a:lstStyle/>
+          <a:p>
+            <a:pPr algn="ctr"/>
+            <a:endParaRPr lang="ko-KR" altLang="en-US"/>
+          </a:p>
+        </p:txBody>
+      </p:sp>
+      <p:sp>
+        <p:nvSpPr>
+          <p:cNvPr id="33" name="타원 32">
+            <a:extLst>
+              <a:ext uri="{FF2B5EF4-FFF2-40B4-BE49-F238E27FC236}">
+                <a16:creationId xmlns:a16="http://schemas.microsoft.com/office/drawing/2014/main" id="{30517BF4-A68B-44A7-9528-21D0BD792F61}"/>
+              </a:ext>
+            </a:extLst>
+          </p:cNvPr>
+          <p:cNvSpPr/>
+          <p:nvPr/>
+        </p:nvSpPr>
+        <p:spPr>
+          <a:xfrm>
+            <a:off x="3114668" y="3075806"/>
+            <a:ext cx="82708" cy="82708"/>
+          </a:xfrm>
+          <a:prstGeom prst="ellipse">
+            <a:avLst/>
+          </a:prstGeom>
+          <a:solidFill>
+            <a:schemeClr val="tx1"/>
+          </a:solidFill>
+          <a:ln>
+            <a:noFill/>
+          </a:ln>
+        </p:spPr>
+        <p:style>
+          <a:lnRef idx="2">
+            <a:schemeClr val="accent1">
+              <a:shade val="50000"/>
+            </a:schemeClr>
+          </a:lnRef>
+          <a:fillRef idx="1">
+            <a:schemeClr val="accent1"/>
+          </a:fillRef>
+          <a:effectRef idx="0">
+            <a:schemeClr val="accent1"/>
+          </a:effectRef>
+          <a:fontRef idx="minor">
+            <a:schemeClr val="lt1"/>
+          </a:fontRef>
+        </p:style>
+        <p:txBody>
+          <a:bodyPr rtlCol="0" anchor="ctr"/>
+          <a:lstStyle/>
+          <a:p>
+            <a:pPr algn="ctr"/>
+            <a:endParaRPr lang="ko-KR" altLang="en-US"/>
+          </a:p>
+        </p:txBody>
+      </p:sp>
+      <p:sp>
+        <p:nvSpPr>
+          <p:cNvPr id="34" name="타원 33">
+            <a:extLst>
+              <a:ext uri="{FF2B5EF4-FFF2-40B4-BE49-F238E27FC236}">
+                <a16:creationId xmlns:a16="http://schemas.microsoft.com/office/drawing/2014/main" id="{F7BCC1B6-F50B-4863-9744-1326B20A9A2E}"/>
+              </a:ext>
+            </a:extLst>
+          </p:cNvPr>
+          <p:cNvSpPr/>
+          <p:nvPr/>
+        </p:nvSpPr>
+        <p:spPr>
+          <a:xfrm>
+            <a:off x="3114668" y="3219822"/>
+            <a:ext cx="82708" cy="82708"/>
+          </a:xfrm>
+          <a:prstGeom prst="ellipse">
+            <a:avLst/>
+          </a:prstGeom>
+          <a:solidFill>
+            <a:schemeClr val="tx1"/>
+          </a:solidFill>
+          <a:ln>
+            <a:noFill/>
+          </a:ln>
+        </p:spPr>
+        <p:style>
+          <a:lnRef idx="2">
+            <a:schemeClr val="accent1">
+              <a:shade val="50000"/>
+            </a:schemeClr>
+          </a:lnRef>
+          <a:fillRef idx="1">
+            <a:schemeClr val="accent1"/>
+          </a:fillRef>
+          <a:effectRef idx="0">
+            <a:schemeClr val="accent1"/>
+          </a:effectRef>
+          <a:fontRef idx="minor">
+            <a:schemeClr val="lt1"/>
+          </a:fontRef>
+        </p:style>
+        <p:txBody>
+          <a:bodyPr rtlCol="0" anchor="ctr"/>
+          <a:lstStyle/>
+          <a:p>
+            <a:pPr algn="ctr"/>
+            <a:endParaRPr lang="ko-KR" altLang="en-US"/>
+          </a:p>
+        </p:txBody>
+      </p:sp>
+      <p:cxnSp>
+        <p:nvCxnSpPr>
+          <p:cNvPr id="6" name="직선 연결선 5">
+            <a:extLst>
+              <a:ext uri="{FF2B5EF4-FFF2-40B4-BE49-F238E27FC236}">
+                <a16:creationId xmlns:a16="http://schemas.microsoft.com/office/drawing/2014/main" id="{AB2ABF1D-0A89-4D1F-9F7E-2D23009A58EC}"/>
+              </a:ext>
+            </a:extLst>
+          </p:cNvPr>
+          <p:cNvCxnSpPr>
+            <a:cxnSpLocks/>
+          </p:cNvCxnSpPr>
+          <p:nvPr/>
+        </p:nvCxnSpPr>
+        <p:spPr>
+          <a:xfrm>
+            <a:off x="4572000" y="1347614"/>
+            <a:ext cx="0" cy="2736304"/>
+          </a:xfrm>
+          <a:prstGeom prst="line">
+            <a:avLst/>
+          </a:prstGeom>
+          <a:ln w="28575">
+            <a:solidFill>
+              <a:schemeClr val="tx1"/>
+            </a:solidFill>
+            <a:prstDash val="dash"/>
+          </a:ln>
+        </p:spPr>
+        <p:style>
+          <a:lnRef idx="1">
+            <a:schemeClr val="accent1"/>
+          </a:lnRef>
+          <a:fillRef idx="0">
+            <a:schemeClr val="accent1"/>
+          </a:fillRef>
+          <a:effectRef idx="0">
+            <a:schemeClr val="accent1"/>
+          </a:effectRef>
+          <a:fontRef idx="minor">
+            <a:schemeClr val="tx1"/>
+          </a:fontRef>
+        </p:style>
+      </p:cxnSp>
+      <p:sp>
+        <p:nvSpPr>
+          <p:cNvPr id="39" name="사각형: 둥근 모서리 38">
+            <a:extLst>
+              <a:ext uri="{FF2B5EF4-FFF2-40B4-BE49-F238E27FC236}">
+                <a16:creationId xmlns:a16="http://schemas.microsoft.com/office/drawing/2014/main" id="{50540D73-CF50-4B24-9960-E516910C516B}"/>
+              </a:ext>
+            </a:extLst>
+          </p:cNvPr>
+          <p:cNvSpPr/>
+          <p:nvPr/>
+        </p:nvSpPr>
+        <p:spPr>
+          <a:xfrm>
+            <a:off x="2471946" y="3677140"/>
+            <a:ext cx="1368152" cy="349340"/>
+          </a:xfrm>
+          <a:prstGeom prst="roundRect">
+            <a:avLst>
+              <a:gd name="adj" fmla="val 15249"/>
+            </a:avLst>
+          </a:prstGeom>
+          <a:noFill/>
+          <a:ln>
+            <a:noFill/>
+          </a:ln>
+        </p:spPr>
+        <p:style>
+          <a:lnRef idx="2">
+            <a:schemeClr val="dk1"/>
+          </a:lnRef>
+          <a:fillRef idx="1">
+            <a:schemeClr val="lt1"/>
+          </a:fillRef>
+          <a:effectRef idx="0">
+            <a:schemeClr val="dk1"/>
+          </a:effectRef>
+          <a:fontRef idx="minor">
+            <a:schemeClr val="dk1"/>
+          </a:fontRef>
+        </p:style>
+        <p:txBody>
+          <a:bodyPr rtlCol="0" anchor="ctr"/>
+          <a:lstStyle/>
+          <a:p>
+            <a:pPr algn="ctr"/>
+            <a:r>
+              <a:rPr lang="en-US" altLang="ko-KR" sz="1200" b="1"/>
+              <a:t>Event Sourcing</a:t>
+            </a:r>
+          </a:p>
+        </p:txBody>
+      </p:sp>
+      <p:sp>
+        <p:nvSpPr>
+          <p:cNvPr id="40" name="사각형: 둥근 모서리 39">
+            <a:extLst>
+              <a:ext uri="{FF2B5EF4-FFF2-40B4-BE49-F238E27FC236}">
+                <a16:creationId xmlns:a16="http://schemas.microsoft.com/office/drawing/2014/main" id="{CFF7FCAF-ACE1-4CEB-BB46-752CC43A86A1}"/>
+              </a:ext>
+            </a:extLst>
+          </p:cNvPr>
+          <p:cNvSpPr/>
+          <p:nvPr/>
+        </p:nvSpPr>
+        <p:spPr>
+          <a:xfrm>
+            <a:off x="5278773" y="3677140"/>
+            <a:ext cx="1368152" cy="349340"/>
+          </a:xfrm>
+          <a:prstGeom prst="roundRect">
+            <a:avLst>
+              <a:gd name="adj" fmla="val 15249"/>
+            </a:avLst>
+          </a:prstGeom>
+          <a:noFill/>
+          <a:ln>
+            <a:noFill/>
+          </a:ln>
+        </p:spPr>
+        <p:style>
+          <a:lnRef idx="2">
+            <a:schemeClr val="dk1"/>
+          </a:lnRef>
+          <a:fillRef idx="1">
+            <a:schemeClr val="lt1"/>
+          </a:fillRef>
+          <a:effectRef idx="0">
+            <a:schemeClr val="dk1"/>
+          </a:effectRef>
+          <a:fontRef idx="minor">
+            <a:schemeClr val="dk1"/>
+          </a:fontRef>
+        </p:style>
+        <p:txBody>
+          <a:bodyPr rtlCol="0" anchor="ctr"/>
+          <a:lstStyle/>
+          <a:p>
+            <a:pPr algn="ctr"/>
+            <a:r>
+              <a:rPr lang="en-US" altLang="ko-KR" sz="1200" b="1"/>
+              <a:t>Normal CRUD</a:t>
+            </a:r>
+          </a:p>
+        </p:txBody>
+      </p:sp>
+    </p:spTree>
+    <p:extLst>
+      <p:ext uri="{BB962C8B-B14F-4D97-AF65-F5344CB8AC3E}">
+        <p14:creationId xmlns:p14="http://schemas.microsoft.com/office/powerpoint/2010/main" val="926426173"/>
+      </p:ext>
+    </p:extLst>
+  </p:cSld>
+  <p:clrMapOvr>
+    <a:masterClrMapping/>
+  </p:clrMapOvr>
+</p:sld>
+</file>
+
+<file path=ppt/slides/slide7.xml><?xml version="1.0" encoding="utf-8"?>
+<p:sld xmlns:a="http://schemas.openxmlformats.org/drawingml/2006/main" xmlns:r="http://schemas.openxmlformats.org/officeDocument/2006/relationships" xmlns:p="http://schemas.openxmlformats.org/presentationml/2006/main">
+  <p:cSld>
+    <p:spTree>
+      <p:nvGrpSpPr>
+        <p:cNvPr id="1" name=""/>
+        <p:cNvGrpSpPr/>
+        <p:nvPr/>
+      </p:nvGrpSpPr>
+      <p:grpSpPr>
+        <a:xfrm>
+          <a:off x="0" y="0"/>
+          <a:ext cx="0" cy="0"/>
+          <a:chOff x="0" y="0"/>
+          <a:chExt cx="0" cy="0"/>
+        </a:xfrm>
+      </p:grpSpPr>
+      <p:sp>
+        <p:nvSpPr>
+          <p:cNvPr id="2" name="제목 1">
+            <a:extLst>
+              <a:ext uri="{FF2B5EF4-FFF2-40B4-BE49-F238E27FC236}">
+                <a16:creationId xmlns:a16="http://schemas.microsoft.com/office/drawing/2014/main" id="{ACF342D6-DC59-400E-A435-E90C225B2F04}"/>
+              </a:ext>
+            </a:extLst>
+          </p:cNvPr>
+          <p:cNvSpPr>
+            <a:spLocks noGrp="1"/>
+          </p:cNvSpPr>
+          <p:nvPr>
+            <p:ph type="title"/>
+          </p:nvPr>
+        </p:nvSpPr>
+        <p:spPr>
+          <a:xfrm>
+            <a:off x="457200" y="-20538"/>
+            <a:ext cx="8229600" cy="857250"/>
+          </a:xfrm>
+        </p:spPr>
+        <p:txBody>
+          <a:bodyPr/>
+          <a:lstStyle/>
+          <a:p>
+            <a:r>
+              <a:rPr lang="en-US" altLang="ko-KR"/>
+              <a:t>Event Sourcing Pattern</a:t>
+            </a:r>
+            <a:endParaRPr lang="ko-KR" altLang="en-US"/>
+          </a:p>
+        </p:txBody>
+      </p:sp>
+      <p:sp>
+        <p:nvSpPr>
           <p:cNvPr id="34" name="사각형: 둥근 모서리 33">
             <a:extLst>
               <a:ext uri="{FF2B5EF4-FFF2-40B4-BE49-F238E27FC236}">
@@ -8223,7 +9273,7 @@
 </p:sld>
 </file>
 
-<file path=ppt/slides/slide7.xml><?xml version="1.0" encoding="utf-8"?>
+<file path=ppt/slides/slide8.xml><?xml version="1.0" encoding="utf-8"?>
 <p:sld xmlns:a="http://schemas.openxmlformats.org/drawingml/2006/main" xmlns:r="http://schemas.openxmlformats.org/officeDocument/2006/relationships" xmlns:p="http://schemas.openxmlformats.org/presentationml/2006/main">
   <p:cSld>
     <p:spTree>
@@ -9408,7 +10458,7 @@
 </p:sld>
 </file>
 
-<file path=ppt/slides/slide8.xml><?xml version="1.0" encoding="utf-8"?>
+<file path=ppt/slides/slide9.xml><?xml version="1.0" encoding="utf-8"?>
 <p:sld xmlns:a="http://schemas.openxmlformats.org/drawingml/2006/main" xmlns:r="http://schemas.openxmlformats.org/officeDocument/2006/relationships" xmlns:p="http://schemas.openxmlformats.org/presentationml/2006/main">
   <p:cSld>
     <p:spTree>
